--- a/PPT/16 C预处理器和C库.pptx
+++ b/PPT/16 C预处理器和C库.pptx
@@ -5,12 +5,17 @@
     <p:sldMasterId id="2147483822" r:id="rId1"/>
   </p:sldMasterIdLst>
   <p:notesMasterIdLst>
-    <p:notesMasterId r:id="rId5"/>
+    <p:notesMasterId r:id="rId10"/>
   </p:notesMasterIdLst>
   <p:sldIdLst>
     <p:sldId id="256" r:id="rId2"/>
     <p:sldId id="257" r:id="rId3"/>
     <p:sldId id="258" r:id="rId4"/>
+    <p:sldId id="259" r:id="rId5"/>
+    <p:sldId id="261" r:id="rId6"/>
+    <p:sldId id="262" r:id="rId7"/>
+    <p:sldId id="263" r:id="rId8"/>
+    <p:sldId id="264" r:id="rId9"/>
   </p:sldIdLst>
   <p:sldSz cx="12192000" cy="6858000"/>
   <p:notesSz cx="6858000" cy="9144000"/>
@@ -202,7 +207,7 @@
           <a:p>
             <a:fld id="{3A561A38-70B3-452D-8FB4-19C5E06282F9}" type="datetimeFigureOut">
               <a:rPr lang="zh-CN" altLang="en-US" smtClean="0"/>
-              <a:t>2022-4-6</a:t>
+              <a:t>2022/4/7</a:t>
             </a:fld>
             <a:endParaRPr lang="zh-CN" altLang="en-US"/>
           </a:p>
@@ -588,7 +593,7 @@
           <a:p>
             <a:fld id="{219263D0-5F7A-4856-87AB-CBD44750035F}" type="datetimeFigureOut">
               <a:rPr lang="zh-CN" altLang="en-US" smtClean="0"/>
-              <a:t>2022-4-6</a:t>
+              <a:t>2022/4/7</a:t>
             </a:fld>
             <a:endParaRPr lang="zh-CN" altLang="en-US"/>
           </a:p>
@@ -863,7 +868,7 @@
           <a:p>
             <a:fld id="{219263D0-5F7A-4856-87AB-CBD44750035F}" type="datetimeFigureOut">
               <a:rPr lang="zh-CN" altLang="en-US" smtClean="0"/>
-              <a:t>2022-4-6</a:t>
+              <a:t>2022/4/7</a:t>
             </a:fld>
             <a:endParaRPr lang="zh-CN" altLang="en-US"/>
           </a:p>
@@ -1057,7 +1062,7 @@
           <a:p>
             <a:fld id="{219263D0-5F7A-4856-87AB-CBD44750035F}" type="datetimeFigureOut">
               <a:rPr lang="zh-CN" altLang="en-US" smtClean="0"/>
-              <a:t>2022-4-6</a:t>
+              <a:t>2022/4/7</a:t>
             </a:fld>
             <a:endParaRPr lang="zh-CN" altLang="en-US"/>
           </a:p>
@@ -1330,7 +1335,7 @@
           <a:p>
             <a:fld id="{219263D0-5F7A-4856-87AB-CBD44750035F}" type="datetimeFigureOut">
               <a:rPr lang="zh-CN" altLang="en-US" smtClean="0"/>
-              <a:t>2022-4-6</a:t>
+              <a:t>2022/4/7</a:t>
             </a:fld>
             <a:endParaRPr lang="zh-CN" altLang="en-US"/>
           </a:p>
@@ -1671,7 +1676,7 @@
           <a:p>
             <a:fld id="{219263D0-5F7A-4856-87AB-CBD44750035F}" type="datetimeFigureOut">
               <a:rPr lang="zh-CN" altLang="en-US" smtClean="0"/>
-              <a:t>2022-4-6</a:t>
+              <a:t>2022/4/7</a:t>
             </a:fld>
             <a:endParaRPr lang="zh-CN" altLang="en-US"/>
           </a:p>
@@ -2294,7 +2299,7 @@
           <a:p>
             <a:fld id="{219263D0-5F7A-4856-87AB-CBD44750035F}" type="datetimeFigureOut">
               <a:rPr lang="zh-CN" altLang="en-US" smtClean="0"/>
-              <a:t>2022-4-6</a:t>
+              <a:t>2022/4/7</a:t>
             </a:fld>
             <a:endParaRPr lang="zh-CN" altLang="en-US"/>
           </a:p>
@@ -3154,7 +3159,7 @@
           <a:p>
             <a:fld id="{219263D0-5F7A-4856-87AB-CBD44750035F}" type="datetimeFigureOut">
               <a:rPr lang="zh-CN" altLang="en-US" smtClean="0"/>
-              <a:t>2022-4-6</a:t>
+              <a:t>2022/4/7</a:t>
             </a:fld>
             <a:endParaRPr lang="zh-CN" altLang="en-US"/>
           </a:p>
@@ -3324,7 +3329,7 @@
           <a:p>
             <a:fld id="{219263D0-5F7A-4856-87AB-CBD44750035F}" type="datetimeFigureOut">
               <a:rPr lang="zh-CN" altLang="en-US" smtClean="0"/>
-              <a:t>2022-4-6</a:t>
+              <a:t>2022/4/7</a:t>
             </a:fld>
             <a:endParaRPr lang="zh-CN" altLang="en-US"/>
           </a:p>
@@ -3504,7 +3509,7 @@
           <a:p>
             <a:fld id="{219263D0-5F7A-4856-87AB-CBD44750035F}" type="datetimeFigureOut">
               <a:rPr lang="zh-CN" altLang="en-US" smtClean="0"/>
-              <a:t>2022-4-6</a:t>
+              <a:t>2022/4/7</a:t>
             </a:fld>
             <a:endParaRPr lang="zh-CN" altLang="en-US"/>
           </a:p>
@@ -3751,7 +3756,7 @@
           <a:p>
             <a:fld id="{219263D0-5F7A-4856-87AB-CBD44750035F}" type="datetimeFigureOut">
               <a:rPr lang="zh-CN" altLang="en-US" smtClean="0"/>
-              <a:t>2022-4-6</a:t>
+              <a:t>2022/4/7</a:t>
             </a:fld>
             <a:endParaRPr lang="zh-CN" altLang="en-US"/>
           </a:p>
@@ -3998,7 +4003,7 @@
           <a:p>
             <a:fld id="{219263D0-5F7A-4856-87AB-CBD44750035F}" type="datetimeFigureOut">
               <a:rPr lang="zh-CN" altLang="en-US" smtClean="0"/>
-              <a:t>2022-4-6</a:t>
+              <a:t>2022/4/7</a:t>
             </a:fld>
             <a:endParaRPr lang="zh-CN" altLang="en-US"/>
           </a:p>
@@ -4290,7 +4295,7 @@
           <a:p>
             <a:fld id="{219263D0-5F7A-4856-87AB-CBD44750035F}" type="datetimeFigureOut">
               <a:rPr lang="zh-CN" altLang="en-US" smtClean="0"/>
-              <a:t>2022-4-6</a:t>
+              <a:t>2022/4/7</a:t>
             </a:fld>
             <a:endParaRPr lang="zh-CN" altLang="en-US"/>
           </a:p>
@@ -4734,7 +4739,7 @@
           <a:p>
             <a:fld id="{219263D0-5F7A-4856-87AB-CBD44750035F}" type="datetimeFigureOut">
               <a:rPr lang="zh-CN" altLang="en-US" smtClean="0"/>
-              <a:t>2022-4-6</a:t>
+              <a:t>2022/4/7</a:t>
             </a:fld>
             <a:endParaRPr lang="zh-CN" altLang="en-US"/>
           </a:p>
@@ -4852,7 +4857,7 @@
           <a:p>
             <a:fld id="{219263D0-5F7A-4856-87AB-CBD44750035F}" type="datetimeFigureOut">
               <a:rPr lang="zh-CN" altLang="en-US" smtClean="0"/>
-              <a:t>2022-4-6</a:t>
+              <a:t>2022/4/7</a:t>
             </a:fld>
             <a:endParaRPr lang="zh-CN" altLang="en-US"/>
           </a:p>
@@ -4947,7 +4952,7 @@
           <a:p>
             <a:fld id="{219263D0-5F7A-4856-87AB-CBD44750035F}" type="datetimeFigureOut">
               <a:rPr lang="zh-CN" altLang="en-US" smtClean="0"/>
-              <a:t>2022-4-6</a:t>
+              <a:t>2022/4/7</a:t>
             </a:fld>
             <a:endParaRPr lang="zh-CN" altLang="en-US"/>
           </a:p>
@@ -5226,7 +5231,7 @@
           <a:p>
             <a:fld id="{219263D0-5F7A-4856-87AB-CBD44750035F}" type="datetimeFigureOut">
               <a:rPr lang="zh-CN" altLang="en-US" smtClean="0"/>
-              <a:t>2022-4-6</a:t>
+              <a:t>2022/4/7</a:t>
             </a:fld>
             <a:endParaRPr lang="zh-CN" altLang="en-US"/>
           </a:p>
@@ -5501,7 +5506,7 @@
           <a:p>
             <a:fld id="{219263D0-5F7A-4856-87AB-CBD44750035F}" type="datetimeFigureOut">
               <a:rPr lang="zh-CN" altLang="en-US" smtClean="0"/>
-              <a:t>2022-4-6</a:t>
+              <a:t>2022/4/7</a:t>
             </a:fld>
             <a:endParaRPr lang="zh-CN" altLang="en-US"/>
           </a:p>
@@ -5930,7 +5935,7 @@
           <a:p>
             <a:fld id="{219263D0-5F7A-4856-87AB-CBD44750035F}" type="datetimeFigureOut">
               <a:rPr lang="zh-CN" altLang="en-US" smtClean="0"/>
-              <a:t>2022-4-6</a:t>
+              <a:t>2022/4/7</a:t>
             </a:fld>
             <a:endParaRPr lang="zh-CN" altLang="en-US"/>
           </a:p>
@@ -7267,7 +7272,89 @@
               <a:rPr lang="zh-CN" altLang="en-US" sz="1600" dirty="0"/>
               <a:t>指令本身、宏：选定的缩写、替换列表或者替换体</a:t>
             </a:r>
-            <a:endParaRPr lang="en-US" altLang="zh-CN" sz="1600"/>
+            <a:endParaRPr lang="en-US" altLang="zh-CN" sz="1600" dirty="0"/>
+          </a:p>
+          <a:p>
+            <a:pPr marL="0" indent="0">
+              <a:buNone/>
+            </a:pPr>
+            <a:r>
+              <a:rPr lang="en-US" altLang="zh-CN" sz="1800" dirty="0"/>
+              <a:t>16.2.1 </a:t>
+            </a:r>
+            <a:r>
+              <a:rPr lang="zh-CN" altLang="en-US" sz="1800" dirty="0"/>
+              <a:t>记号</a:t>
+            </a:r>
+            <a:endParaRPr lang="en-US" altLang="zh-CN" sz="1800" dirty="0"/>
+          </a:p>
+          <a:p>
+            <a:pPr marL="685800" lvl="1">
+              <a:buFont typeface="Wingdings" panose="05000000000000000000" pitchFamily="2" charset="2"/>
+              <a:buChar char="Ø"/>
+            </a:pPr>
+            <a:r>
+              <a:rPr lang="zh-CN" altLang="en-US" sz="1600" dirty="0"/>
+              <a:t>从技术角度来看，可以把宏的替换体看作是记号（</a:t>
+            </a:r>
+            <a:r>
+              <a:rPr lang="en-US" altLang="zh-CN" sz="1600" dirty="0"/>
+              <a:t>token</a:t>
+            </a:r>
+            <a:r>
+              <a:rPr lang="zh-CN" altLang="en-US" sz="1600" dirty="0"/>
+              <a:t>）型字符串</a:t>
+            </a:r>
+            <a:endParaRPr lang="en-US" altLang="zh-CN" sz="1600" dirty="0"/>
+          </a:p>
+          <a:p>
+            <a:pPr marL="0" indent="0">
+              <a:buNone/>
+            </a:pPr>
+            <a:r>
+              <a:rPr lang="en-US" altLang="zh-CN" sz="1800" dirty="0"/>
+              <a:t>16.2.2 </a:t>
+            </a:r>
+            <a:r>
+              <a:rPr lang="zh-CN" altLang="en-US" sz="1800" dirty="0"/>
+              <a:t>重定义常量</a:t>
+            </a:r>
+            <a:endParaRPr lang="en-US" altLang="zh-CN" sz="1800" dirty="0"/>
+          </a:p>
+          <a:p>
+            <a:pPr marL="685800" lvl="1">
+              <a:buFont typeface="Wingdings" panose="05000000000000000000" pitchFamily="2" charset="2"/>
+              <a:buChar char="Ø"/>
+            </a:pPr>
+            <a:r>
+              <a:rPr lang="zh-CN" altLang="en-US" sz="1600" dirty="0"/>
+              <a:t>假如先把</a:t>
+            </a:r>
+            <a:r>
+              <a:rPr lang="en-US" altLang="zh-CN" sz="1600" dirty="0"/>
+              <a:t>LIMIT</a:t>
+            </a:r>
+            <a:r>
+              <a:rPr lang="zh-CN" altLang="en-US" sz="1600" dirty="0"/>
+              <a:t>定义为</a:t>
+            </a:r>
+            <a:r>
+              <a:rPr lang="en-US" altLang="zh-CN" sz="1600" dirty="0"/>
+              <a:t>20</a:t>
+            </a:r>
+            <a:r>
+              <a:rPr lang="zh-CN" altLang="en-US" sz="1600" dirty="0"/>
+              <a:t>，然后在该文件中把它定义为</a:t>
+            </a:r>
+            <a:r>
+              <a:rPr lang="en-US" altLang="zh-CN" sz="1600" dirty="0"/>
+              <a:t>25</a:t>
+            </a:r>
+            <a:r>
+              <a:rPr lang="zh-CN" altLang="en-US" sz="1600" dirty="0"/>
+              <a:t>，这个过程叫做重定义常量</a:t>
+            </a:r>
+            <a:endParaRPr lang="en-US" altLang="zh-CN" sz="1600" dirty="0"/>
           </a:p>
           <a:p>
             <a:pPr marL="685800" lvl="1">
@@ -7282,6 +7369,1240 @@
     <p:extLst>
       <p:ext uri="{BB962C8B-B14F-4D97-AF65-F5344CB8AC3E}">
         <p14:creationId xmlns:p14="http://schemas.microsoft.com/office/powerpoint/2010/main" val="2007324839"/>
+      </p:ext>
+    </p:extLst>
+  </p:cSld>
+  <p:clrMapOvr>
+    <a:masterClrMapping/>
+  </p:clrMapOvr>
+</p:sld>
+</file>
+
+<file path=ppt/slides/slide4.xml><?xml version="1.0" encoding="utf-8"?>
+<p:sld xmlns:a="http://schemas.openxmlformats.org/drawingml/2006/main" xmlns:r="http://schemas.openxmlformats.org/officeDocument/2006/relationships" xmlns:p="http://schemas.openxmlformats.org/presentationml/2006/main">
+  <p:cSld>
+    <p:spTree>
+      <p:nvGrpSpPr>
+        <p:cNvPr id="1" name=""/>
+        <p:cNvGrpSpPr/>
+        <p:nvPr/>
+      </p:nvGrpSpPr>
+      <p:grpSpPr>
+        <a:xfrm>
+          <a:off x="0" y="0"/>
+          <a:ext cx="0" cy="0"/>
+          <a:chOff x="0" y="0"/>
+          <a:chExt cx="0" cy="0"/>
+        </a:xfrm>
+      </p:grpSpPr>
+      <p:sp>
+        <p:nvSpPr>
+          <p:cNvPr id="3" name="内容占位符 2">
+            <a:extLst>
+              <a:ext uri="{FF2B5EF4-FFF2-40B4-BE49-F238E27FC236}">
+                <a16:creationId xmlns:a16="http://schemas.microsoft.com/office/drawing/2014/main" id="{E4E2B587-CAD5-488E-ACEF-3D0F1DB5FEF3}"/>
+              </a:ext>
+            </a:extLst>
+          </p:cNvPr>
+          <p:cNvSpPr>
+            <a:spLocks noGrp="1"/>
+          </p:cNvSpPr>
+          <p:nvPr>
+            <p:ph idx="1"/>
+          </p:nvPr>
+        </p:nvSpPr>
+        <p:spPr/>
+        <p:txBody>
+          <a:bodyPr>
+            <a:normAutofit fontScale="92500" lnSpcReduction="20000"/>
+          </a:bodyPr>
+          <a:lstStyle/>
+          <a:p>
+            <a:pPr marL="0" indent="0">
+              <a:buNone/>
+            </a:pPr>
+            <a:r>
+              <a:rPr lang="en-US" altLang="zh-CN" sz="2400" dirty="0"/>
+              <a:t>16.3 </a:t>
+            </a:r>
+            <a:r>
+              <a:rPr lang="zh-CN" altLang="en-US" sz="2400" dirty="0"/>
+              <a:t>在</a:t>
+            </a:r>
+            <a:r>
+              <a:rPr lang="en-US" altLang="zh-CN" sz="2400" dirty="0"/>
+              <a:t>#define</a:t>
+            </a:r>
+            <a:r>
+              <a:rPr lang="zh-CN" altLang="en-US" sz="2400" dirty="0"/>
+              <a:t>中使用参数</a:t>
+            </a:r>
+            <a:endParaRPr lang="en-US" altLang="zh-CN" sz="2400" dirty="0"/>
+          </a:p>
+          <a:p>
+            <a:pPr marL="685800" lvl="1">
+              <a:buFont typeface="Wingdings" panose="05000000000000000000" pitchFamily="2" charset="2"/>
+              <a:buChar char="Ø"/>
+            </a:pPr>
+            <a:r>
+              <a:rPr lang="zh-CN" altLang="en-US" sz="1600" dirty="0"/>
+              <a:t>在</a:t>
+            </a:r>
+            <a:r>
+              <a:rPr lang="en-US" altLang="zh-CN" sz="1600" dirty="0"/>
+              <a:t>#define</a:t>
+            </a:r>
+            <a:r>
+              <a:rPr lang="zh-CN" altLang="en-US" sz="1600" dirty="0"/>
+              <a:t>中使用参数可以创建外形和作用与函数类似的类函数宏</a:t>
+            </a:r>
+            <a:endParaRPr lang="en-US" altLang="zh-CN" sz="1600" dirty="0"/>
+          </a:p>
+          <a:p>
+            <a:pPr marL="685800" lvl="1">
+              <a:buFont typeface="Wingdings" panose="05000000000000000000" pitchFamily="2" charset="2"/>
+              <a:buChar char="Ø"/>
+            </a:pPr>
+            <a:r>
+              <a:rPr lang="zh-CN" altLang="en-US" sz="1600" dirty="0"/>
+              <a:t>带参数的宏看上去像函数</a:t>
+            </a:r>
+            <a:endParaRPr lang="en-US" altLang="zh-CN" sz="1600" dirty="0"/>
+          </a:p>
+          <a:p>
+            <a:pPr marL="685800" lvl="1">
+              <a:buFont typeface="Wingdings" panose="05000000000000000000" pitchFamily="2" charset="2"/>
+              <a:buChar char="Ø"/>
+            </a:pPr>
+            <a:r>
+              <a:rPr lang="en-US" altLang="zh-CN" sz="1600" dirty="0"/>
+              <a:t>#define MEAN(X,Y) (((X)+(Y))/2)</a:t>
+            </a:r>
+          </a:p>
+          <a:p>
+            <a:pPr marL="685800" lvl="1">
+              <a:buFont typeface="Wingdings" panose="05000000000000000000" pitchFamily="2" charset="2"/>
+              <a:buChar char="Ø"/>
+            </a:pPr>
+            <a:r>
+              <a:rPr lang="en-US" altLang="zh-CN" sz="1600" dirty="0"/>
+              <a:t>#define SQUARE(X) X*X</a:t>
+            </a:r>
+          </a:p>
+          <a:p>
+            <a:pPr marL="685800" lvl="1">
+              <a:buFont typeface="Wingdings" panose="05000000000000000000" pitchFamily="2" charset="2"/>
+              <a:buChar char="Ø"/>
+            </a:pPr>
+            <a:r>
+              <a:rPr lang="en-US" altLang="zh-CN" sz="1600" dirty="0"/>
+              <a:t>#define</a:t>
+            </a:r>
+            <a:r>
+              <a:rPr lang="zh-CN" altLang="en-US" sz="1600" dirty="0"/>
+              <a:t>只做替换，不进行计算，所以要注意替换后因为优先级问题造成结果跟预期的不一致</a:t>
+            </a:r>
+            <a:endParaRPr lang="en-US" altLang="zh-CN" sz="1600" dirty="0"/>
+          </a:p>
+          <a:p>
+            <a:pPr marL="0" indent="0">
+              <a:buNone/>
+            </a:pPr>
+            <a:r>
+              <a:rPr lang="en-US" altLang="zh-CN" sz="1800" dirty="0"/>
+              <a:t>16.3.1 </a:t>
+            </a:r>
+            <a:r>
+              <a:rPr lang="zh-CN" altLang="en-US" sz="1800" dirty="0"/>
+              <a:t>用宏参数创建字符串：</a:t>
+            </a:r>
+            <a:r>
+              <a:rPr lang="en-US" altLang="zh-CN" sz="1800" dirty="0"/>
+              <a:t>#</a:t>
+            </a:r>
+            <a:r>
+              <a:rPr lang="zh-CN" altLang="en-US" sz="1800" dirty="0"/>
+              <a:t>运算符</a:t>
+            </a:r>
+            <a:endParaRPr lang="en-US" altLang="zh-CN" sz="1800" dirty="0"/>
+          </a:p>
+          <a:p>
+            <a:pPr marL="685800" lvl="1">
+              <a:buFont typeface="Wingdings" panose="05000000000000000000" pitchFamily="2" charset="2"/>
+              <a:buChar char="Ø"/>
+            </a:pPr>
+            <a:r>
+              <a:rPr lang="en-US" altLang="zh-CN" sz="1600" dirty="0"/>
+              <a:t>#define PSQR(X) </a:t>
+            </a:r>
+            <a:r>
+              <a:rPr lang="en-US" altLang="zh-CN" sz="1600" dirty="0" err="1"/>
+              <a:t>printf</a:t>
+            </a:r>
+            <a:r>
+              <a:rPr lang="en-US" altLang="zh-CN" sz="1600" dirty="0"/>
+              <a:t>(“The square of X is %d.\n”,((X)*(X)));</a:t>
+            </a:r>
+          </a:p>
+          <a:p>
+            <a:pPr marL="685800" lvl="1">
+              <a:buFont typeface="Wingdings" panose="05000000000000000000" pitchFamily="2" charset="2"/>
+              <a:buChar char="Ø"/>
+            </a:pPr>
+            <a:r>
+              <a:rPr lang="zh-CN" altLang="en-US" sz="1600" dirty="0"/>
+              <a:t>双引号字符串中的</a:t>
+            </a:r>
+            <a:r>
+              <a:rPr lang="en-US" altLang="zh-CN" sz="1600" dirty="0"/>
+              <a:t>X</a:t>
+            </a:r>
+            <a:r>
+              <a:rPr lang="zh-CN" altLang="en-US" sz="1600" dirty="0"/>
+              <a:t>视为普通文本，不是一个可替换的记号</a:t>
+            </a:r>
+            <a:endParaRPr lang="en-US" altLang="zh-CN" sz="1600" dirty="0"/>
+          </a:p>
+          <a:p>
+            <a:pPr marL="0" indent="0">
+              <a:buNone/>
+            </a:pPr>
+            <a:r>
+              <a:rPr lang="en-US" altLang="zh-CN" sz="1800" dirty="0"/>
+              <a:t>16.3.2 </a:t>
+            </a:r>
+            <a:r>
+              <a:rPr lang="zh-CN" altLang="en-US" sz="1800" dirty="0"/>
+              <a:t>预处理黏合剂：</a:t>
+            </a:r>
+            <a:r>
+              <a:rPr lang="en-US" altLang="zh-CN" sz="1800" dirty="0"/>
+              <a:t>##</a:t>
+            </a:r>
+            <a:r>
+              <a:rPr lang="zh-CN" altLang="en-US" sz="1800" dirty="0"/>
+              <a:t>运算符</a:t>
+            </a:r>
+            <a:endParaRPr lang="en-US" altLang="zh-CN" sz="1800" dirty="0"/>
+          </a:p>
+          <a:p>
+            <a:pPr marL="685800" lvl="1">
+              <a:buFont typeface="Wingdings" panose="05000000000000000000" pitchFamily="2" charset="2"/>
+              <a:buChar char="Ø"/>
+            </a:pPr>
+            <a:r>
+              <a:rPr lang="zh-CN" altLang="en-US" sz="1600" dirty="0"/>
+              <a:t>与</a:t>
+            </a:r>
+            <a:r>
+              <a:rPr lang="en-US" altLang="zh-CN" sz="1600" dirty="0"/>
+              <a:t>#</a:t>
+            </a:r>
+            <a:r>
+              <a:rPr lang="zh-CN" altLang="en-US" sz="1600" dirty="0"/>
+              <a:t>类似，</a:t>
+            </a:r>
+            <a:r>
+              <a:rPr lang="en-US" altLang="zh-CN" sz="1600" dirty="0"/>
+              <a:t>##</a:t>
+            </a:r>
+            <a:r>
+              <a:rPr lang="zh-CN" altLang="en-US" sz="1600" dirty="0"/>
+              <a:t>可用于类函数宏的替换部分，</a:t>
+            </a:r>
+            <a:r>
+              <a:rPr lang="en-US" altLang="zh-CN" sz="1600" dirty="0"/>
+              <a:t>##</a:t>
+            </a:r>
+            <a:r>
+              <a:rPr lang="zh-CN" altLang="en-US" sz="1600" dirty="0"/>
+              <a:t>运算符可以把两个记号组合成一个记号</a:t>
+            </a:r>
+            <a:endParaRPr lang="en-US" altLang="zh-CN" sz="1600" dirty="0"/>
+          </a:p>
+          <a:p>
+            <a:pPr marL="685800" lvl="1">
+              <a:buFont typeface="Wingdings" panose="05000000000000000000" pitchFamily="2" charset="2"/>
+              <a:buChar char="Ø"/>
+            </a:pPr>
+            <a:r>
+              <a:rPr lang="en-US" altLang="zh-CN" sz="1600" dirty="0"/>
+              <a:t>#define XNMAE(n) x##n</a:t>
+            </a:r>
+          </a:p>
+          <a:p>
+            <a:pPr marL="0" indent="0">
+              <a:buNone/>
+            </a:pPr>
+            <a:r>
+              <a:rPr lang="en-US" altLang="zh-CN" sz="1800" dirty="0"/>
+              <a:t>16.3.3 </a:t>
+            </a:r>
+            <a:r>
+              <a:rPr lang="zh-CN" altLang="en-US" sz="1800" dirty="0"/>
+              <a:t>变参宏：</a:t>
+            </a:r>
+            <a:r>
+              <a:rPr lang="en-US" altLang="zh-CN" sz="1800" dirty="0"/>
+              <a:t>…</a:t>
+            </a:r>
+            <a:r>
+              <a:rPr lang="zh-CN" altLang="en-US" sz="1800" dirty="0"/>
+              <a:t>和</a:t>
+            </a:r>
+            <a:r>
+              <a:rPr lang="en-US" altLang="zh-CN" sz="1800" dirty="0"/>
+              <a:t>__VA_ARGS__</a:t>
+            </a:r>
+          </a:p>
+          <a:p>
+            <a:pPr marL="685800" lvl="1">
+              <a:buFont typeface="Wingdings" panose="05000000000000000000" pitchFamily="2" charset="2"/>
+              <a:buChar char="Ø"/>
+            </a:pPr>
+            <a:r>
+              <a:rPr lang="zh-CN" altLang="en-US" sz="1600" dirty="0"/>
+              <a:t>一些函数接受数量可变的参数</a:t>
+            </a:r>
+            <a:r>
+              <a:rPr lang="en-US" altLang="zh-CN" sz="1600" dirty="0"/>
+              <a:t>,C99</a:t>
+            </a:r>
+            <a:r>
+              <a:rPr lang="zh-CN" altLang="en-US" sz="1600" dirty="0"/>
+              <a:t>和</a:t>
+            </a:r>
+            <a:r>
+              <a:rPr lang="en-US" altLang="zh-CN" sz="1600" dirty="0"/>
+              <a:t>C11</a:t>
+            </a:r>
+            <a:r>
+              <a:rPr lang="zh-CN" altLang="en-US" sz="1600" dirty="0"/>
+              <a:t>也对宏提供了这样的工具</a:t>
+            </a:r>
+            <a:endParaRPr lang="en-US" altLang="zh-CN" sz="1600" dirty="0"/>
+          </a:p>
+          <a:p>
+            <a:pPr marL="685800" lvl="1">
+              <a:buFont typeface="Wingdings" panose="05000000000000000000" pitchFamily="2" charset="2"/>
+              <a:buChar char="Ø"/>
+            </a:pPr>
+            <a:r>
+              <a:rPr lang="en-US" altLang="zh-CN" sz="1600" dirty="0"/>
+              <a:t>#define PR(…) </a:t>
+            </a:r>
+            <a:r>
+              <a:rPr lang="en-US" altLang="zh-CN" sz="1600" dirty="0" err="1"/>
+              <a:t>printf</a:t>
+            </a:r>
+            <a:r>
+              <a:rPr lang="en-US" altLang="zh-CN" sz="1600" dirty="0"/>
+              <a:t>(__VA_ARGS__)</a:t>
+            </a:r>
+          </a:p>
+          <a:p>
+            <a:pPr marL="685800" lvl="1">
+              <a:buFont typeface="Wingdings" panose="05000000000000000000" pitchFamily="2" charset="2"/>
+              <a:buChar char="Ø"/>
+            </a:pPr>
+            <a:r>
+              <a:rPr lang="en-US" altLang="zh-CN" sz="1600" dirty="0"/>
+              <a:t>PR(“weight = %</a:t>
+            </a:r>
+            <a:r>
+              <a:rPr lang="en-US" altLang="zh-CN" sz="1600" dirty="0" err="1"/>
+              <a:t>d,shipping</a:t>
+            </a:r>
+            <a:r>
+              <a:rPr lang="en-US" altLang="zh-CN" sz="1600" dirty="0"/>
+              <a:t> = $%.2f\n”,</a:t>
+            </a:r>
+            <a:r>
+              <a:rPr lang="en-US" altLang="zh-CN" sz="1600" dirty="0" err="1"/>
+              <a:t>weight,shipping</a:t>
+            </a:r>
+            <a:r>
+              <a:rPr lang="en-US" altLang="zh-CN" sz="1600" dirty="0"/>
+              <a:t>);</a:t>
+            </a:r>
+          </a:p>
+        </p:txBody>
+      </p:sp>
+    </p:spTree>
+    <p:extLst>
+      <p:ext uri="{BB962C8B-B14F-4D97-AF65-F5344CB8AC3E}">
+        <p14:creationId xmlns:p14="http://schemas.microsoft.com/office/powerpoint/2010/main" val="4010727502"/>
+      </p:ext>
+    </p:extLst>
+  </p:cSld>
+  <p:clrMapOvr>
+    <a:masterClrMapping/>
+  </p:clrMapOvr>
+</p:sld>
+</file>
+
+<file path=ppt/slides/slide5.xml><?xml version="1.0" encoding="utf-8"?>
+<p:sld xmlns:a="http://schemas.openxmlformats.org/drawingml/2006/main" xmlns:r="http://schemas.openxmlformats.org/officeDocument/2006/relationships" xmlns:p="http://schemas.openxmlformats.org/presentationml/2006/main">
+  <p:cSld>
+    <p:spTree>
+      <p:nvGrpSpPr>
+        <p:cNvPr id="1" name=""/>
+        <p:cNvGrpSpPr/>
+        <p:nvPr/>
+      </p:nvGrpSpPr>
+      <p:grpSpPr>
+        <a:xfrm>
+          <a:off x="0" y="0"/>
+          <a:ext cx="0" cy="0"/>
+          <a:chOff x="0" y="0"/>
+          <a:chExt cx="0" cy="0"/>
+        </a:xfrm>
+      </p:grpSpPr>
+      <p:sp>
+        <p:nvSpPr>
+          <p:cNvPr id="3" name="内容占位符 2">
+            <a:extLst>
+              <a:ext uri="{FF2B5EF4-FFF2-40B4-BE49-F238E27FC236}">
+                <a16:creationId xmlns:a16="http://schemas.microsoft.com/office/drawing/2014/main" id="{E4E2B587-CAD5-488E-ACEF-3D0F1DB5FEF3}"/>
+              </a:ext>
+            </a:extLst>
+          </p:cNvPr>
+          <p:cNvSpPr>
+            <a:spLocks noGrp="1"/>
+          </p:cNvSpPr>
+          <p:nvPr>
+            <p:ph idx="1"/>
+          </p:nvPr>
+        </p:nvSpPr>
+        <p:spPr/>
+        <p:txBody>
+          <a:bodyPr>
+            <a:normAutofit/>
+          </a:bodyPr>
+          <a:lstStyle/>
+          <a:p>
+            <a:pPr marL="0" indent="0">
+              <a:buNone/>
+            </a:pPr>
+            <a:r>
+              <a:rPr lang="en-US" altLang="zh-CN" sz="2400" dirty="0"/>
+              <a:t>16.4 </a:t>
+            </a:r>
+            <a:r>
+              <a:rPr lang="zh-CN" altLang="en-US" sz="2400" dirty="0"/>
+              <a:t>宏和函数的选择</a:t>
+            </a:r>
+            <a:endParaRPr lang="en-US" altLang="zh-CN" sz="2400" dirty="0"/>
+          </a:p>
+          <a:p>
+            <a:pPr lvl="1">
+              <a:buFont typeface="Wingdings" panose="05000000000000000000" pitchFamily="2" charset="2"/>
+              <a:buChar char="Ø"/>
+            </a:pPr>
+            <a:r>
+              <a:rPr lang="zh-CN" altLang="en-US" dirty="0"/>
+              <a:t>有些任务可以用宏完成，也可以用函数完成</a:t>
+            </a:r>
+            <a:endParaRPr lang="en-US" altLang="zh-CN" dirty="0"/>
+          </a:p>
+          <a:p>
+            <a:pPr lvl="1">
+              <a:buFont typeface="Wingdings" panose="05000000000000000000" pitchFamily="2" charset="2"/>
+              <a:buChar char="Ø"/>
+            </a:pPr>
+            <a:r>
+              <a:rPr lang="zh-CN" altLang="en-US" dirty="0"/>
+              <a:t>宏比普通函数复杂一些，容易出错</a:t>
+            </a:r>
+            <a:endParaRPr lang="en-US" altLang="zh-CN" dirty="0"/>
+          </a:p>
+          <a:p>
+            <a:pPr lvl="1">
+              <a:buFont typeface="Wingdings" panose="05000000000000000000" pitchFamily="2" charset="2"/>
+              <a:buChar char="Ø"/>
+            </a:pPr>
+            <a:r>
+              <a:rPr lang="zh-CN" altLang="en-US" dirty="0"/>
+              <a:t>宏只能定义成一行</a:t>
+            </a:r>
+            <a:endParaRPr lang="en-US" altLang="zh-CN" dirty="0"/>
+          </a:p>
+          <a:p>
+            <a:pPr lvl="1">
+              <a:buFont typeface="Wingdings" panose="05000000000000000000" pitchFamily="2" charset="2"/>
+              <a:buChar char="Ø"/>
+            </a:pPr>
+            <a:r>
+              <a:rPr lang="zh-CN" altLang="en-US" dirty="0"/>
+              <a:t>宏是内联代码，没调用一次都会在代码中插入一次，而函数调用是调用的副本，函数比宏节省了空间，函数调用代码控制会从主函数跳转到子函数，会花费了更多的时间，宏比函数节省了时间</a:t>
+            </a:r>
+            <a:endParaRPr lang="en-US" altLang="zh-CN" dirty="0"/>
+          </a:p>
+          <a:p>
+            <a:pPr lvl="1">
+              <a:buFont typeface="Wingdings" panose="05000000000000000000" pitchFamily="2" charset="2"/>
+              <a:buChar char="Ø"/>
+            </a:pPr>
+            <a:r>
+              <a:rPr lang="zh-CN" altLang="en-US" dirty="0"/>
+              <a:t>宏不用担心变量类型</a:t>
+            </a:r>
+            <a:endParaRPr lang="en-US" altLang="zh-CN" dirty="0"/>
+          </a:p>
+          <a:p>
+            <a:pPr lvl="1">
+              <a:buFont typeface="Wingdings" panose="05000000000000000000" pitchFamily="2" charset="2"/>
+              <a:buChar char="Ø"/>
+            </a:pPr>
+            <a:r>
+              <a:rPr lang="zh-CN" altLang="en-US" dirty="0"/>
+              <a:t>宏名内不允许有空格，替换体内可以有空格</a:t>
+            </a:r>
+            <a:endParaRPr lang="en-US" altLang="zh-CN" dirty="0"/>
+          </a:p>
+          <a:p>
+            <a:pPr lvl="1">
+              <a:buFont typeface="Wingdings" panose="05000000000000000000" pitchFamily="2" charset="2"/>
+              <a:buChar char="Ø"/>
+            </a:pPr>
+            <a:r>
+              <a:rPr lang="zh-CN" altLang="en-US" dirty="0"/>
+              <a:t>用圆括号把宏参数和整个替换体括起来</a:t>
+            </a:r>
+            <a:endParaRPr lang="en-US" altLang="zh-CN" dirty="0"/>
+          </a:p>
+          <a:p>
+            <a:pPr marL="457200" lvl="1" indent="0">
+              <a:buNone/>
+            </a:pPr>
+            <a:endParaRPr lang="en-US" altLang="zh-CN" dirty="0"/>
+          </a:p>
+        </p:txBody>
+      </p:sp>
+    </p:spTree>
+    <p:extLst>
+      <p:ext uri="{BB962C8B-B14F-4D97-AF65-F5344CB8AC3E}">
+        <p14:creationId xmlns:p14="http://schemas.microsoft.com/office/powerpoint/2010/main" val="38311128"/>
+      </p:ext>
+    </p:extLst>
+  </p:cSld>
+  <p:clrMapOvr>
+    <a:masterClrMapping/>
+  </p:clrMapOvr>
+</p:sld>
+</file>
+
+<file path=ppt/slides/slide6.xml><?xml version="1.0" encoding="utf-8"?>
+<p:sld xmlns:a="http://schemas.openxmlformats.org/drawingml/2006/main" xmlns:r="http://schemas.openxmlformats.org/officeDocument/2006/relationships" xmlns:p="http://schemas.openxmlformats.org/presentationml/2006/main">
+  <p:cSld>
+    <p:spTree>
+      <p:nvGrpSpPr>
+        <p:cNvPr id="1" name=""/>
+        <p:cNvGrpSpPr/>
+        <p:nvPr/>
+      </p:nvGrpSpPr>
+      <p:grpSpPr>
+        <a:xfrm>
+          <a:off x="0" y="0"/>
+          <a:ext cx="0" cy="0"/>
+          <a:chOff x="0" y="0"/>
+          <a:chExt cx="0" cy="0"/>
+        </a:xfrm>
+      </p:grpSpPr>
+      <p:sp>
+        <p:nvSpPr>
+          <p:cNvPr id="3" name="内容占位符 2">
+            <a:extLst>
+              <a:ext uri="{FF2B5EF4-FFF2-40B4-BE49-F238E27FC236}">
+                <a16:creationId xmlns:a16="http://schemas.microsoft.com/office/drawing/2014/main" id="{E4E2B587-CAD5-488E-ACEF-3D0F1DB5FEF3}"/>
+              </a:ext>
+            </a:extLst>
+          </p:cNvPr>
+          <p:cNvSpPr>
+            <a:spLocks noGrp="1"/>
+          </p:cNvSpPr>
+          <p:nvPr>
+            <p:ph idx="1"/>
+          </p:nvPr>
+        </p:nvSpPr>
+        <p:spPr/>
+        <p:txBody>
+          <a:bodyPr>
+            <a:normAutofit fontScale="92500" lnSpcReduction="20000"/>
+          </a:bodyPr>
+          <a:lstStyle/>
+          <a:p>
+            <a:pPr marL="0" indent="0">
+              <a:buNone/>
+            </a:pPr>
+            <a:r>
+              <a:rPr lang="en-US" altLang="zh-CN" sz="2400" dirty="0"/>
+              <a:t>16.5 </a:t>
+            </a:r>
+            <a:r>
+              <a:rPr lang="zh-CN" altLang="en-US" sz="2400" dirty="0"/>
+              <a:t> 文件包含：</a:t>
+            </a:r>
+            <a:r>
+              <a:rPr lang="en-US" altLang="zh-CN" sz="2400" dirty="0"/>
+              <a:t>#include</a:t>
+            </a:r>
+          </a:p>
+          <a:p>
+            <a:pPr lvl="1">
+              <a:buFont typeface="Wingdings" panose="05000000000000000000" pitchFamily="2" charset="2"/>
+              <a:buChar char="Ø"/>
+            </a:pPr>
+            <a:r>
+              <a:rPr lang="zh-CN" altLang="en-US" dirty="0"/>
+              <a:t>当预处理发现</a:t>
+            </a:r>
+            <a:r>
+              <a:rPr lang="en-US" altLang="zh-CN" dirty="0"/>
+              <a:t>#include</a:t>
+            </a:r>
+            <a:r>
+              <a:rPr lang="zh-CN" altLang="en-US" dirty="0"/>
+              <a:t>指令时，会查看后面的文件名并把文件内容包含到当前文件中，即替换文件中</a:t>
+            </a:r>
+            <a:r>
+              <a:rPr lang="en-US" altLang="zh-CN" dirty="0"/>
+              <a:t>#include</a:t>
+            </a:r>
+            <a:r>
+              <a:rPr lang="zh-CN" altLang="en-US" dirty="0"/>
+              <a:t>指令</a:t>
+            </a:r>
+            <a:endParaRPr lang="en-US" altLang="zh-CN" dirty="0"/>
+          </a:p>
+          <a:p>
+            <a:pPr lvl="1">
+              <a:buFont typeface="Wingdings" panose="05000000000000000000" pitchFamily="2" charset="2"/>
+              <a:buChar char="Ø"/>
+            </a:pPr>
+            <a:r>
+              <a:rPr lang="en-US" altLang="zh-CN" dirty="0"/>
+              <a:t>#include</a:t>
+            </a:r>
+            <a:r>
+              <a:rPr lang="zh-CN" altLang="en-US" dirty="0"/>
+              <a:t>指令有两种格式</a:t>
+            </a:r>
+            <a:endParaRPr lang="en-US" altLang="zh-CN" dirty="0"/>
+          </a:p>
+          <a:p>
+            <a:pPr lvl="1">
+              <a:buFont typeface="Wingdings" panose="05000000000000000000" pitchFamily="2" charset="2"/>
+              <a:buChar char="Ø"/>
+            </a:pPr>
+            <a:r>
+              <a:rPr lang="en-US" altLang="zh-CN" dirty="0"/>
+              <a:t>&lt;&gt;</a:t>
+            </a:r>
+            <a:r>
+              <a:rPr lang="zh-CN" altLang="en-US" dirty="0"/>
+              <a:t>表示在标准系统目录中查找该文件</a:t>
+            </a:r>
+            <a:r>
+              <a:rPr lang="en-US" altLang="zh-CN" dirty="0"/>
+              <a:t>,””</a:t>
+            </a:r>
+            <a:r>
+              <a:rPr lang="zh-CN" altLang="en-US" dirty="0"/>
+              <a:t>表示在当前目录或者文件指定目录中查找，找不到再到标准系统目录</a:t>
+            </a:r>
+            <a:endParaRPr lang="en-US" altLang="zh-CN" dirty="0"/>
+          </a:p>
+          <a:p>
+            <a:pPr lvl="1">
+              <a:buFont typeface="Wingdings" panose="05000000000000000000" pitchFamily="2" charset="2"/>
+              <a:buChar char="Ø"/>
+            </a:pPr>
+            <a:r>
+              <a:rPr lang="en-US" altLang="zh-CN" dirty="0"/>
+              <a:t>IDE</a:t>
+            </a:r>
+            <a:r>
+              <a:rPr lang="zh-CN" altLang="en-US" dirty="0"/>
+              <a:t>也有标准路径和系统头文件路径</a:t>
+            </a:r>
+            <a:endParaRPr lang="en-US" altLang="zh-CN" dirty="0"/>
+          </a:p>
+          <a:p>
+            <a:pPr marL="57150" indent="0">
+              <a:buNone/>
+            </a:pPr>
+            <a:r>
+              <a:rPr lang="en-US" altLang="zh-CN" sz="1800" dirty="0"/>
+              <a:t>16.5.1 </a:t>
+            </a:r>
+            <a:r>
+              <a:rPr lang="zh-CN" altLang="en-US" sz="1800" dirty="0"/>
+              <a:t>头文件</a:t>
+            </a:r>
+            <a:endParaRPr lang="en-US" altLang="zh-CN" sz="1800" dirty="0"/>
+          </a:p>
+          <a:p>
+            <a:pPr lvl="1">
+              <a:buFont typeface="Wingdings" panose="05000000000000000000" pitchFamily="2" charset="2"/>
+              <a:buChar char="Ø"/>
+            </a:pPr>
+            <a:r>
+              <a:rPr lang="zh-CN" altLang="en-US" sz="1600" dirty="0"/>
+              <a:t>标准的头文件中可以浏览头文件的基本信息</a:t>
+            </a:r>
+            <a:endParaRPr lang="en-US" altLang="zh-CN" sz="1600" dirty="0"/>
+          </a:p>
+          <a:p>
+            <a:pPr lvl="1">
+              <a:buFont typeface="Wingdings" panose="05000000000000000000" pitchFamily="2" charset="2"/>
+              <a:buChar char="Ø"/>
+            </a:pPr>
+            <a:r>
+              <a:rPr lang="zh-CN" altLang="en-US" sz="1600" dirty="0"/>
+              <a:t>明示常量</a:t>
+            </a:r>
+            <a:endParaRPr lang="en-US" altLang="zh-CN" sz="1600" dirty="0"/>
+          </a:p>
+          <a:p>
+            <a:pPr lvl="1">
+              <a:buFont typeface="Wingdings" panose="05000000000000000000" pitchFamily="2" charset="2"/>
+              <a:buChar char="Ø"/>
+            </a:pPr>
+            <a:r>
+              <a:rPr lang="zh-CN" altLang="en-US" sz="1600" dirty="0"/>
+              <a:t>宏函数</a:t>
+            </a:r>
+            <a:endParaRPr lang="en-US" altLang="zh-CN" sz="1600" dirty="0"/>
+          </a:p>
+          <a:p>
+            <a:pPr lvl="1">
+              <a:buFont typeface="Wingdings" panose="05000000000000000000" pitchFamily="2" charset="2"/>
+              <a:buChar char="Ø"/>
+            </a:pPr>
+            <a:r>
+              <a:rPr lang="zh-CN" altLang="en-US" sz="1600" dirty="0"/>
+              <a:t>函数声明</a:t>
+            </a:r>
+            <a:endParaRPr lang="en-US" altLang="zh-CN" sz="1600" dirty="0"/>
+          </a:p>
+          <a:p>
+            <a:pPr lvl="1">
+              <a:buFont typeface="Wingdings" panose="05000000000000000000" pitchFamily="2" charset="2"/>
+              <a:buChar char="Ø"/>
+            </a:pPr>
+            <a:r>
+              <a:rPr lang="zh-CN" altLang="en-US" sz="1600" dirty="0"/>
+              <a:t>结构模板定义</a:t>
+            </a:r>
+            <a:endParaRPr lang="en-US" altLang="zh-CN" sz="1600" dirty="0"/>
+          </a:p>
+          <a:p>
+            <a:pPr lvl="1">
+              <a:buFont typeface="Wingdings" panose="05000000000000000000" pitchFamily="2" charset="2"/>
+              <a:buChar char="Ø"/>
+            </a:pPr>
+            <a:r>
+              <a:rPr lang="zh-CN" altLang="en-US" sz="1600" dirty="0"/>
+              <a:t>类型定义</a:t>
+            </a:r>
+            <a:endParaRPr lang="en-US" altLang="zh-CN" sz="1600" dirty="0"/>
+          </a:p>
+          <a:p>
+            <a:pPr lvl="1">
+              <a:buFont typeface="Wingdings" panose="05000000000000000000" pitchFamily="2" charset="2"/>
+              <a:buChar char="Ø"/>
+            </a:pPr>
+            <a:r>
+              <a:rPr lang="zh-CN" altLang="en-US" sz="1600" dirty="0"/>
+              <a:t>使用头文件声明外部变量供其他文件共享</a:t>
+            </a:r>
+            <a:endParaRPr lang="en-US" altLang="zh-CN" sz="1600" dirty="0"/>
+          </a:p>
+          <a:p>
+            <a:pPr lvl="1">
+              <a:buFont typeface="Wingdings" panose="05000000000000000000" pitchFamily="2" charset="2"/>
+              <a:buChar char="Ø"/>
+            </a:pPr>
+            <a:r>
+              <a:rPr lang="zh-CN" altLang="en-US" sz="1600" dirty="0"/>
+              <a:t>使用内部链接的变量或者数组</a:t>
+            </a:r>
+            <a:endParaRPr lang="en-US" altLang="zh-CN" sz="1600" dirty="0"/>
+          </a:p>
+        </p:txBody>
+      </p:sp>
+    </p:spTree>
+    <p:extLst>
+      <p:ext uri="{BB962C8B-B14F-4D97-AF65-F5344CB8AC3E}">
+        <p14:creationId xmlns:p14="http://schemas.microsoft.com/office/powerpoint/2010/main" val="239881126"/>
+      </p:ext>
+    </p:extLst>
+  </p:cSld>
+  <p:clrMapOvr>
+    <a:masterClrMapping/>
+  </p:clrMapOvr>
+</p:sld>
+</file>
+
+<file path=ppt/slides/slide7.xml><?xml version="1.0" encoding="utf-8"?>
+<p:sld xmlns:a="http://schemas.openxmlformats.org/drawingml/2006/main" xmlns:r="http://schemas.openxmlformats.org/officeDocument/2006/relationships" xmlns:p="http://schemas.openxmlformats.org/presentationml/2006/main">
+  <p:cSld>
+    <p:spTree>
+      <p:nvGrpSpPr>
+        <p:cNvPr id="1" name=""/>
+        <p:cNvGrpSpPr/>
+        <p:nvPr/>
+      </p:nvGrpSpPr>
+      <p:grpSpPr>
+        <a:xfrm>
+          <a:off x="0" y="0"/>
+          <a:ext cx="0" cy="0"/>
+          <a:chOff x="0" y="0"/>
+          <a:chExt cx="0" cy="0"/>
+        </a:xfrm>
+      </p:grpSpPr>
+      <p:sp>
+        <p:nvSpPr>
+          <p:cNvPr id="3" name="内容占位符 2">
+            <a:extLst>
+              <a:ext uri="{FF2B5EF4-FFF2-40B4-BE49-F238E27FC236}">
+                <a16:creationId xmlns:a16="http://schemas.microsoft.com/office/drawing/2014/main" id="{E4E2B587-CAD5-488E-ACEF-3D0F1DB5FEF3}"/>
+              </a:ext>
+            </a:extLst>
+          </p:cNvPr>
+          <p:cNvSpPr>
+            <a:spLocks noGrp="1"/>
+          </p:cNvSpPr>
+          <p:nvPr>
+            <p:ph idx="1"/>
+          </p:nvPr>
+        </p:nvSpPr>
+        <p:spPr/>
+        <p:txBody>
+          <a:bodyPr>
+            <a:normAutofit lnSpcReduction="10000"/>
+          </a:bodyPr>
+          <a:lstStyle/>
+          <a:p>
+            <a:pPr marL="0" indent="0">
+              <a:buNone/>
+            </a:pPr>
+            <a:r>
+              <a:rPr lang="en-US" altLang="zh-CN" sz="2400" dirty="0"/>
+              <a:t>16.6 </a:t>
+            </a:r>
+            <a:r>
+              <a:rPr lang="zh-CN" altLang="en-US" sz="2400" dirty="0"/>
+              <a:t>其他指令</a:t>
+            </a:r>
+            <a:endParaRPr lang="en-US" altLang="zh-CN" sz="2400" dirty="0"/>
+          </a:p>
+          <a:p>
+            <a:pPr lvl="1">
+              <a:buFont typeface="Wingdings" panose="05000000000000000000" pitchFamily="2" charset="2"/>
+              <a:buChar char="Ø"/>
+            </a:pPr>
+            <a:r>
+              <a:rPr lang="zh-CN" altLang="en-US" dirty="0"/>
+              <a:t>程序员可能要为不同的工作环境准备</a:t>
+            </a:r>
+            <a:r>
+              <a:rPr lang="en-US" altLang="zh-CN" dirty="0"/>
+              <a:t>C</a:t>
+            </a:r>
+            <a:r>
+              <a:rPr lang="zh-CN" altLang="en-US" dirty="0"/>
+              <a:t>程序和</a:t>
+            </a:r>
+            <a:r>
+              <a:rPr lang="en-US" altLang="zh-CN" dirty="0"/>
+              <a:t>C</a:t>
+            </a:r>
+            <a:r>
+              <a:rPr lang="zh-CN" altLang="en-US" dirty="0"/>
+              <a:t>库包</a:t>
+            </a:r>
+            <a:endParaRPr lang="en-US" altLang="zh-CN" dirty="0"/>
+          </a:p>
+          <a:p>
+            <a:pPr lvl="1">
+              <a:buFont typeface="Wingdings" panose="05000000000000000000" pitchFamily="2" charset="2"/>
+              <a:buChar char="Ø"/>
+            </a:pPr>
+            <a:r>
+              <a:rPr lang="zh-CN" altLang="en-US" dirty="0"/>
+              <a:t>不同的环境用到不同的代码</a:t>
+            </a:r>
+            <a:endParaRPr lang="en-US" altLang="zh-CN" dirty="0"/>
+          </a:p>
+          <a:p>
+            <a:pPr lvl="1">
+              <a:buFont typeface="Wingdings" panose="05000000000000000000" pitchFamily="2" charset="2"/>
+              <a:buChar char="Ø"/>
+            </a:pPr>
+            <a:r>
+              <a:rPr lang="zh-CN" altLang="en-US" dirty="0"/>
+              <a:t>预处理器提供了一些指令，可以通过修改</a:t>
+            </a:r>
+            <a:r>
+              <a:rPr lang="en-US" altLang="zh-CN" dirty="0"/>
+              <a:t>#define</a:t>
+            </a:r>
+            <a:r>
+              <a:rPr lang="zh-CN" altLang="en-US" dirty="0"/>
+              <a:t>的值来生成可移植的代码</a:t>
+            </a:r>
+            <a:endParaRPr lang="en-US" altLang="zh-CN" dirty="0"/>
+          </a:p>
+          <a:p>
+            <a:pPr lvl="1">
+              <a:buFont typeface="Wingdings" panose="05000000000000000000" pitchFamily="2" charset="2"/>
+              <a:buChar char="Ø"/>
+            </a:pPr>
+            <a:r>
+              <a:rPr lang="en-US" altLang="zh-CN" dirty="0"/>
+              <a:t>#undef</a:t>
+            </a:r>
+            <a:r>
+              <a:rPr lang="zh-CN" altLang="en-US" dirty="0"/>
+              <a:t>指令取消之前</a:t>
+            </a:r>
+            <a:r>
+              <a:rPr lang="en-US" altLang="zh-CN" dirty="0"/>
+              <a:t>#define</a:t>
+            </a:r>
+            <a:r>
+              <a:rPr lang="zh-CN" altLang="en-US" dirty="0"/>
+              <a:t>定义</a:t>
+            </a:r>
+            <a:endParaRPr lang="en-US" altLang="zh-CN" dirty="0"/>
+          </a:p>
+          <a:p>
+            <a:pPr lvl="1">
+              <a:buFont typeface="Wingdings" panose="05000000000000000000" pitchFamily="2" charset="2"/>
+              <a:buChar char="Ø"/>
+            </a:pPr>
+            <a:r>
+              <a:rPr lang="en-US" altLang="zh-CN" dirty="0"/>
+              <a:t>#if #ifdef #ifndef #else #elif #endif</a:t>
+            </a:r>
+            <a:r>
+              <a:rPr lang="zh-CN" altLang="en-US" dirty="0"/>
+              <a:t>指定什么情况下编写什么样的代码</a:t>
+            </a:r>
+            <a:endParaRPr lang="en-US" altLang="zh-CN" dirty="0"/>
+          </a:p>
+          <a:p>
+            <a:pPr lvl="1">
+              <a:buFont typeface="Wingdings" panose="05000000000000000000" pitchFamily="2" charset="2"/>
+              <a:buChar char="Ø"/>
+            </a:pPr>
+            <a:r>
+              <a:rPr lang="en-US" altLang="zh-CN" dirty="0"/>
+              <a:t>#line</a:t>
+            </a:r>
+            <a:r>
+              <a:rPr lang="zh-CN" altLang="en-US" dirty="0"/>
+              <a:t>指令用于重置行和文件信息</a:t>
+            </a:r>
+            <a:endParaRPr lang="en-US" altLang="zh-CN" dirty="0"/>
+          </a:p>
+          <a:p>
+            <a:pPr lvl="1">
+              <a:buFont typeface="Wingdings" panose="05000000000000000000" pitchFamily="2" charset="2"/>
+              <a:buChar char="Ø"/>
+            </a:pPr>
+            <a:r>
+              <a:rPr lang="en-US" altLang="zh-CN" dirty="0"/>
+              <a:t>#error</a:t>
+            </a:r>
+            <a:r>
+              <a:rPr lang="zh-CN" altLang="en-US" dirty="0"/>
+              <a:t>指令用于给出错误消息</a:t>
+            </a:r>
+            <a:endParaRPr lang="en-US" altLang="zh-CN" dirty="0"/>
+          </a:p>
+          <a:p>
+            <a:pPr lvl="1">
+              <a:buFont typeface="Wingdings" panose="05000000000000000000" pitchFamily="2" charset="2"/>
+              <a:buChar char="Ø"/>
+            </a:pPr>
+            <a:r>
+              <a:rPr lang="en-US" altLang="zh-CN" dirty="0"/>
+              <a:t>#pragma</a:t>
+            </a:r>
+            <a:r>
+              <a:rPr lang="zh-CN" altLang="en-US" dirty="0"/>
+              <a:t>指令用于向编译器发出指令</a:t>
+            </a:r>
+            <a:endParaRPr lang="en-US" altLang="zh-CN" dirty="0"/>
+          </a:p>
+          <a:p>
+            <a:pPr marL="57150" indent="0">
+              <a:buNone/>
+            </a:pPr>
+            <a:r>
+              <a:rPr lang="en-US" altLang="zh-CN" sz="1800" dirty="0"/>
+              <a:t>16.6.1 #undef</a:t>
+            </a:r>
+            <a:r>
+              <a:rPr lang="zh-CN" altLang="en-US" sz="1800" dirty="0"/>
+              <a:t>指令</a:t>
+            </a:r>
+            <a:endParaRPr lang="en-US" altLang="zh-CN" sz="1800" dirty="0"/>
+          </a:p>
+          <a:p>
+            <a:pPr lvl="1">
+              <a:buFont typeface="Wingdings" panose="05000000000000000000" pitchFamily="2" charset="2"/>
+              <a:buChar char="Ø"/>
+            </a:pPr>
+            <a:r>
+              <a:rPr lang="en-US" altLang="zh-CN" sz="1600" dirty="0" err="1"/>
+              <a:t>Undef</a:t>
+            </a:r>
+            <a:r>
+              <a:rPr lang="zh-CN" altLang="en-US" sz="1600" dirty="0"/>
+              <a:t>用于取消已定义的</a:t>
+            </a:r>
+            <a:r>
+              <a:rPr lang="en-US" altLang="zh-CN" sz="1600" dirty="0"/>
+              <a:t>#define</a:t>
+            </a:r>
+            <a:r>
+              <a:rPr lang="zh-CN" altLang="en-US" sz="1600" dirty="0"/>
+              <a:t>指令</a:t>
+            </a:r>
+            <a:endParaRPr lang="en-US" altLang="zh-CN" sz="1600" dirty="0"/>
+          </a:p>
+          <a:p>
+            <a:pPr lvl="1">
+              <a:buFont typeface="Wingdings" panose="05000000000000000000" pitchFamily="2" charset="2"/>
+              <a:buChar char="Ø"/>
+            </a:pPr>
+            <a:r>
+              <a:rPr lang="en-US" altLang="zh-CN" sz="1600" dirty="0"/>
+              <a:t>#define LIMIT 400</a:t>
+            </a:r>
+          </a:p>
+          <a:p>
+            <a:pPr lvl="1">
+              <a:buFont typeface="Wingdings" panose="05000000000000000000" pitchFamily="2" charset="2"/>
+              <a:buChar char="Ø"/>
+            </a:pPr>
+            <a:r>
+              <a:rPr lang="en-US" altLang="zh-CN" sz="1600" dirty="0"/>
+              <a:t>#undef LIMIT</a:t>
+            </a:r>
+          </a:p>
+          <a:p>
+            <a:pPr lvl="1">
+              <a:buFont typeface="Wingdings" panose="05000000000000000000" pitchFamily="2" charset="2"/>
+              <a:buChar char="Ø"/>
+            </a:pPr>
+            <a:r>
+              <a:rPr lang="zh-CN" altLang="en-US" sz="1600" dirty="0"/>
+              <a:t>即使原来没有定义也可以取消，取消后可以重新定义</a:t>
+            </a:r>
+            <a:endParaRPr lang="en-US" altLang="zh-CN" sz="1600" dirty="0"/>
+          </a:p>
+        </p:txBody>
+      </p:sp>
+    </p:spTree>
+    <p:extLst>
+      <p:ext uri="{BB962C8B-B14F-4D97-AF65-F5344CB8AC3E}">
+        <p14:creationId xmlns:p14="http://schemas.microsoft.com/office/powerpoint/2010/main" val="4227932681"/>
+      </p:ext>
+    </p:extLst>
+  </p:cSld>
+  <p:clrMapOvr>
+    <a:masterClrMapping/>
+  </p:clrMapOvr>
+</p:sld>
+</file>
+
+<file path=ppt/slides/slide8.xml><?xml version="1.0" encoding="utf-8"?>
+<p:sld xmlns:a="http://schemas.openxmlformats.org/drawingml/2006/main" xmlns:r="http://schemas.openxmlformats.org/officeDocument/2006/relationships" xmlns:p="http://schemas.openxmlformats.org/presentationml/2006/main">
+  <p:cSld>
+    <p:spTree>
+      <p:nvGrpSpPr>
+        <p:cNvPr id="1" name=""/>
+        <p:cNvGrpSpPr/>
+        <p:nvPr/>
+      </p:nvGrpSpPr>
+      <p:grpSpPr>
+        <a:xfrm>
+          <a:off x="0" y="0"/>
+          <a:ext cx="0" cy="0"/>
+          <a:chOff x="0" y="0"/>
+          <a:chExt cx="0" cy="0"/>
+        </a:xfrm>
+      </p:grpSpPr>
+      <p:sp>
+        <p:nvSpPr>
+          <p:cNvPr id="3" name="内容占位符 2">
+            <a:extLst>
+              <a:ext uri="{FF2B5EF4-FFF2-40B4-BE49-F238E27FC236}">
+                <a16:creationId xmlns:a16="http://schemas.microsoft.com/office/drawing/2014/main" id="{E4E2B587-CAD5-488E-ACEF-3D0F1DB5FEF3}"/>
+              </a:ext>
+            </a:extLst>
+          </p:cNvPr>
+          <p:cNvSpPr>
+            <a:spLocks noGrp="1"/>
+          </p:cNvSpPr>
+          <p:nvPr>
+            <p:ph idx="1"/>
+          </p:nvPr>
+        </p:nvSpPr>
+        <p:spPr/>
+        <p:txBody>
+          <a:bodyPr>
+            <a:normAutofit/>
+          </a:bodyPr>
+          <a:lstStyle/>
+          <a:p>
+            <a:pPr marL="57150" indent="0">
+              <a:buNone/>
+            </a:pPr>
+            <a:r>
+              <a:rPr lang="en-US" altLang="zh-CN" sz="1800" dirty="0"/>
+              <a:t>16.6.2 </a:t>
+            </a:r>
+            <a:r>
+              <a:rPr lang="zh-CN" altLang="en-US" sz="1800" dirty="0"/>
+              <a:t>从</a:t>
+            </a:r>
+            <a:r>
+              <a:rPr lang="en-US" altLang="zh-CN" sz="1800" dirty="0"/>
+              <a:t>C</a:t>
+            </a:r>
+            <a:r>
+              <a:rPr lang="zh-CN" altLang="en-US" sz="1800" dirty="0"/>
+              <a:t>预处理器角度看已定义</a:t>
+            </a:r>
+          </a:p>
+          <a:p>
+            <a:pPr lvl="1">
+              <a:buFont typeface="Wingdings" panose="05000000000000000000" pitchFamily="2" charset="2"/>
+              <a:buChar char="Ø"/>
+            </a:pPr>
+            <a:r>
+              <a:rPr lang="zh-CN" altLang="en-US" sz="1600" dirty="0"/>
+              <a:t>预处理器在预处理指令中发现一个标识符，它会把该标识符当作已定义或者未定义</a:t>
+            </a:r>
+            <a:endParaRPr lang="en-US" altLang="zh-CN" sz="1600" dirty="0"/>
+          </a:p>
+          <a:p>
+            <a:pPr lvl="1">
+              <a:buFont typeface="Wingdings" panose="05000000000000000000" pitchFamily="2" charset="2"/>
+              <a:buChar char="Ø"/>
+            </a:pPr>
+            <a:r>
+              <a:rPr lang="zh-CN" altLang="en-US" sz="1600" dirty="0"/>
+              <a:t>如果没有用</a:t>
+            </a:r>
+            <a:r>
+              <a:rPr lang="en-US" altLang="zh-CN" sz="1600" dirty="0"/>
+              <a:t>#undef</a:t>
+            </a:r>
+            <a:r>
+              <a:rPr lang="zh-CN" altLang="en-US" sz="1600" dirty="0"/>
+              <a:t>取消定义，那么它时已定义的</a:t>
+            </a:r>
+            <a:endParaRPr lang="en-US" altLang="zh-CN" sz="1600" dirty="0"/>
+          </a:p>
+          <a:p>
+            <a:pPr lvl="1">
+              <a:buFont typeface="Wingdings" panose="05000000000000000000" pitchFamily="2" charset="2"/>
+              <a:buChar char="Ø"/>
+            </a:pPr>
+            <a:r>
+              <a:rPr lang="zh-CN" altLang="en-US" sz="1600" dirty="0"/>
+              <a:t>如果不是宏，则是未定义的</a:t>
+            </a:r>
+            <a:endParaRPr lang="en-US" altLang="zh-CN" sz="1600" dirty="0"/>
+          </a:p>
+          <a:p>
+            <a:pPr lvl="1">
+              <a:buFont typeface="Wingdings" panose="05000000000000000000" pitchFamily="2" charset="2"/>
+              <a:buChar char="Ø"/>
+            </a:pPr>
+            <a:r>
+              <a:rPr lang="en-US" altLang="zh-CN" sz="1600" dirty="0"/>
+              <a:t>#define</a:t>
+            </a:r>
+            <a:r>
+              <a:rPr lang="zh-CN" altLang="en-US" sz="1600" dirty="0"/>
+              <a:t>宏的作用域从它在文件中的声明开始，知道用</a:t>
+            </a:r>
+            <a:r>
+              <a:rPr lang="en-US" altLang="zh-CN" sz="1600" dirty="0"/>
+              <a:t>#undef</a:t>
+            </a:r>
+            <a:r>
+              <a:rPr lang="zh-CN" altLang="en-US" sz="1600" dirty="0"/>
+              <a:t>指令取消宏为止，或者到文件结尾，如果宏从头文件中引入，那么</a:t>
+            </a:r>
+            <a:r>
+              <a:rPr lang="en-US" altLang="zh-CN" sz="1600" dirty="0"/>
+              <a:t>#define</a:t>
+            </a:r>
+            <a:r>
+              <a:rPr lang="zh-CN" altLang="en-US" sz="1600" dirty="0"/>
+              <a:t>在文件中的位置取决于</a:t>
+            </a:r>
+            <a:r>
+              <a:rPr lang="en-US" altLang="zh-CN" sz="1600" dirty="0"/>
+              <a:t>#include</a:t>
+            </a:r>
+            <a:r>
+              <a:rPr lang="zh-CN" altLang="en-US" sz="1600" dirty="0"/>
+              <a:t>指令的位置</a:t>
+            </a:r>
+            <a:endParaRPr lang="en-US" altLang="zh-CN" sz="1600" dirty="0"/>
+          </a:p>
+          <a:p>
+            <a:pPr marL="57150" indent="0">
+              <a:buNone/>
+            </a:pPr>
+            <a:r>
+              <a:rPr lang="en-US" altLang="zh-CN" sz="1800" dirty="0"/>
+              <a:t>16.6.3 </a:t>
+            </a:r>
+            <a:r>
+              <a:rPr lang="zh-CN" altLang="en-US" sz="1800" dirty="0"/>
+              <a:t>条件编译</a:t>
+            </a:r>
+            <a:endParaRPr lang="en-US" altLang="zh-CN" sz="1800" dirty="0"/>
+          </a:p>
+          <a:p>
+            <a:pPr lvl="1">
+              <a:buFont typeface="Wingdings" panose="05000000000000000000" pitchFamily="2" charset="2"/>
+              <a:buChar char="Ø"/>
+            </a:pPr>
+            <a:r>
+              <a:rPr lang="zh-CN" altLang="en-US" sz="1600" dirty="0"/>
+              <a:t>可以用其他指令创建条件编译，也就是说，可以用这些指令编译时可以根据条件执行或者忽略代码块</a:t>
+            </a:r>
+            <a:endParaRPr lang="en-US" altLang="zh-CN" sz="1600" dirty="0"/>
+          </a:p>
+          <a:p>
+            <a:pPr lvl="1">
+              <a:buFont typeface="Wingdings" panose="05000000000000000000" pitchFamily="2" charset="2"/>
+              <a:buChar char="Ø"/>
+            </a:pPr>
+            <a:r>
+              <a:rPr lang="zh-CN" altLang="en-US" sz="1600"/>
+              <a:t>也是从标识符已定义或者未定义来判断</a:t>
+            </a:r>
+            <a:endParaRPr lang="en-US" altLang="zh-CN" sz="1600" dirty="0"/>
+          </a:p>
+        </p:txBody>
+      </p:sp>
+    </p:spTree>
+    <p:extLst>
+      <p:ext uri="{BB962C8B-B14F-4D97-AF65-F5344CB8AC3E}">
+        <p14:creationId xmlns:p14="http://schemas.microsoft.com/office/powerpoint/2010/main" val="3783469339"/>
       </p:ext>
     </p:extLst>
   </p:cSld>

--- a/PPT/16 C预处理器和C库.pptx
+++ b/PPT/16 C预处理器和C库.pptx
@@ -5,7 +5,7 @@
     <p:sldMasterId id="2147483822" r:id="rId1"/>
   </p:sldMasterIdLst>
   <p:notesMasterIdLst>
-    <p:notesMasterId r:id="rId10"/>
+    <p:notesMasterId r:id="rId20"/>
   </p:notesMasterIdLst>
   <p:sldIdLst>
     <p:sldId id="256" r:id="rId2"/>
@@ -16,6 +16,16 @@
     <p:sldId id="262" r:id="rId7"/>
     <p:sldId id="263" r:id="rId8"/>
     <p:sldId id="264" r:id="rId9"/>
+    <p:sldId id="265" r:id="rId10"/>
+    <p:sldId id="266" r:id="rId11"/>
+    <p:sldId id="267" r:id="rId12"/>
+    <p:sldId id="268" r:id="rId13"/>
+    <p:sldId id="269" r:id="rId14"/>
+    <p:sldId id="270" r:id="rId15"/>
+    <p:sldId id="271" r:id="rId16"/>
+    <p:sldId id="272" r:id="rId17"/>
+    <p:sldId id="273" r:id="rId18"/>
+    <p:sldId id="274" r:id="rId19"/>
   </p:sldIdLst>
   <p:sldSz cx="12192000" cy="6858000"/>
   <p:notesSz cx="6858000" cy="9144000"/>
@@ -207,7 +217,7 @@
           <a:p>
             <a:fld id="{3A561A38-70B3-452D-8FB4-19C5E06282F9}" type="datetimeFigureOut">
               <a:rPr lang="zh-CN" altLang="en-US" smtClean="0"/>
-              <a:t>2022/4/7</a:t>
+              <a:t>2022/4/11</a:t>
             </a:fld>
             <a:endParaRPr lang="zh-CN" altLang="en-US"/>
           </a:p>
@@ -593,7 +603,7 @@
           <a:p>
             <a:fld id="{219263D0-5F7A-4856-87AB-CBD44750035F}" type="datetimeFigureOut">
               <a:rPr lang="zh-CN" altLang="en-US" smtClean="0"/>
-              <a:t>2022/4/7</a:t>
+              <a:t>2022/4/11</a:t>
             </a:fld>
             <a:endParaRPr lang="zh-CN" altLang="en-US"/>
           </a:p>
@@ -868,7 +878,7 @@
           <a:p>
             <a:fld id="{219263D0-5F7A-4856-87AB-CBD44750035F}" type="datetimeFigureOut">
               <a:rPr lang="zh-CN" altLang="en-US" smtClean="0"/>
-              <a:t>2022/4/7</a:t>
+              <a:t>2022/4/11</a:t>
             </a:fld>
             <a:endParaRPr lang="zh-CN" altLang="en-US"/>
           </a:p>
@@ -1062,7 +1072,7 @@
           <a:p>
             <a:fld id="{219263D0-5F7A-4856-87AB-CBD44750035F}" type="datetimeFigureOut">
               <a:rPr lang="zh-CN" altLang="en-US" smtClean="0"/>
-              <a:t>2022/4/7</a:t>
+              <a:t>2022/4/11</a:t>
             </a:fld>
             <a:endParaRPr lang="zh-CN" altLang="en-US"/>
           </a:p>
@@ -1335,7 +1345,7 @@
           <a:p>
             <a:fld id="{219263D0-5F7A-4856-87AB-CBD44750035F}" type="datetimeFigureOut">
               <a:rPr lang="zh-CN" altLang="en-US" smtClean="0"/>
-              <a:t>2022/4/7</a:t>
+              <a:t>2022/4/11</a:t>
             </a:fld>
             <a:endParaRPr lang="zh-CN" altLang="en-US"/>
           </a:p>
@@ -1676,7 +1686,7 @@
           <a:p>
             <a:fld id="{219263D0-5F7A-4856-87AB-CBD44750035F}" type="datetimeFigureOut">
               <a:rPr lang="zh-CN" altLang="en-US" smtClean="0"/>
-              <a:t>2022/4/7</a:t>
+              <a:t>2022/4/11</a:t>
             </a:fld>
             <a:endParaRPr lang="zh-CN" altLang="en-US"/>
           </a:p>
@@ -2299,7 +2309,7 @@
           <a:p>
             <a:fld id="{219263D0-5F7A-4856-87AB-CBD44750035F}" type="datetimeFigureOut">
               <a:rPr lang="zh-CN" altLang="en-US" smtClean="0"/>
-              <a:t>2022/4/7</a:t>
+              <a:t>2022/4/11</a:t>
             </a:fld>
             <a:endParaRPr lang="zh-CN" altLang="en-US"/>
           </a:p>
@@ -3159,7 +3169,7 @@
           <a:p>
             <a:fld id="{219263D0-5F7A-4856-87AB-CBD44750035F}" type="datetimeFigureOut">
               <a:rPr lang="zh-CN" altLang="en-US" smtClean="0"/>
-              <a:t>2022/4/7</a:t>
+              <a:t>2022/4/11</a:t>
             </a:fld>
             <a:endParaRPr lang="zh-CN" altLang="en-US"/>
           </a:p>
@@ -3329,7 +3339,7 @@
           <a:p>
             <a:fld id="{219263D0-5F7A-4856-87AB-CBD44750035F}" type="datetimeFigureOut">
               <a:rPr lang="zh-CN" altLang="en-US" smtClean="0"/>
-              <a:t>2022/4/7</a:t>
+              <a:t>2022/4/11</a:t>
             </a:fld>
             <a:endParaRPr lang="zh-CN" altLang="en-US"/>
           </a:p>
@@ -3509,7 +3519,7 @@
           <a:p>
             <a:fld id="{219263D0-5F7A-4856-87AB-CBD44750035F}" type="datetimeFigureOut">
               <a:rPr lang="zh-CN" altLang="en-US" smtClean="0"/>
-              <a:t>2022/4/7</a:t>
+              <a:t>2022/4/11</a:t>
             </a:fld>
             <a:endParaRPr lang="zh-CN" altLang="en-US"/>
           </a:p>
@@ -3756,7 +3766,7 @@
           <a:p>
             <a:fld id="{219263D0-5F7A-4856-87AB-CBD44750035F}" type="datetimeFigureOut">
               <a:rPr lang="zh-CN" altLang="en-US" smtClean="0"/>
-              <a:t>2022/4/7</a:t>
+              <a:t>2022/4/11</a:t>
             </a:fld>
             <a:endParaRPr lang="zh-CN" altLang="en-US"/>
           </a:p>
@@ -4003,7 +4013,7 @@
           <a:p>
             <a:fld id="{219263D0-5F7A-4856-87AB-CBD44750035F}" type="datetimeFigureOut">
               <a:rPr lang="zh-CN" altLang="en-US" smtClean="0"/>
-              <a:t>2022/4/7</a:t>
+              <a:t>2022/4/11</a:t>
             </a:fld>
             <a:endParaRPr lang="zh-CN" altLang="en-US"/>
           </a:p>
@@ -4295,7 +4305,7 @@
           <a:p>
             <a:fld id="{219263D0-5F7A-4856-87AB-CBD44750035F}" type="datetimeFigureOut">
               <a:rPr lang="zh-CN" altLang="en-US" smtClean="0"/>
-              <a:t>2022/4/7</a:t>
+              <a:t>2022/4/11</a:t>
             </a:fld>
             <a:endParaRPr lang="zh-CN" altLang="en-US"/>
           </a:p>
@@ -4739,7 +4749,7 @@
           <a:p>
             <a:fld id="{219263D0-5F7A-4856-87AB-CBD44750035F}" type="datetimeFigureOut">
               <a:rPr lang="zh-CN" altLang="en-US" smtClean="0"/>
-              <a:t>2022/4/7</a:t>
+              <a:t>2022/4/11</a:t>
             </a:fld>
             <a:endParaRPr lang="zh-CN" altLang="en-US"/>
           </a:p>
@@ -4857,7 +4867,7 @@
           <a:p>
             <a:fld id="{219263D0-5F7A-4856-87AB-CBD44750035F}" type="datetimeFigureOut">
               <a:rPr lang="zh-CN" altLang="en-US" smtClean="0"/>
-              <a:t>2022/4/7</a:t>
+              <a:t>2022/4/11</a:t>
             </a:fld>
             <a:endParaRPr lang="zh-CN" altLang="en-US"/>
           </a:p>
@@ -4952,7 +4962,7 @@
           <a:p>
             <a:fld id="{219263D0-5F7A-4856-87AB-CBD44750035F}" type="datetimeFigureOut">
               <a:rPr lang="zh-CN" altLang="en-US" smtClean="0"/>
-              <a:t>2022/4/7</a:t>
+              <a:t>2022/4/11</a:t>
             </a:fld>
             <a:endParaRPr lang="zh-CN" altLang="en-US"/>
           </a:p>
@@ -5231,7 +5241,7 @@
           <a:p>
             <a:fld id="{219263D0-5F7A-4856-87AB-CBD44750035F}" type="datetimeFigureOut">
               <a:rPr lang="zh-CN" altLang="en-US" smtClean="0"/>
-              <a:t>2022/4/7</a:t>
+              <a:t>2022/4/11</a:t>
             </a:fld>
             <a:endParaRPr lang="zh-CN" altLang="en-US"/>
           </a:p>
@@ -5506,7 +5516,7 @@
           <a:p>
             <a:fld id="{219263D0-5F7A-4856-87AB-CBD44750035F}" type="datetimeFigureOut">
               <a:rPr lang="zh-CN" altLang="en-US" smtClean="0"/>
-              <a:t>2022/4/7</a:t>
+              <a:t>2022/4/11</a:t>
             </a:fld>
             <a:endParaRPr lang="zh-CN" altLang="en-US"/>
           </a:p>
@@ -5935,7 +5945,7 @@
           <a:p>
             <a:fld id="{219263D0-5F7A-4856-87AB-CBD44750035F}" type="datetimeFigureOut">
               <a:rPr lang="zh-CN" altLang="en-US" smtClean="0"/>
-              <a:t>2022/4/7</a:t>
+              <a:t>2022/4/11</a:t>
             </a:fld>
             <a:endParaRPr lang="zh-CN" altLang="en-US"/>
           </a:p>
@@ -6961,6 +6971,2096 @@
 </p:sld>
 </file>
 
+<file path=ppt/slides/slide10.xml><?xml version="1.0" encoding="utf-8"?>
+<p:sld xmlns:a="http://schemas.openxmlformats.org/drawingml/2006/main" xmlns:r="http://schemas.openxmlformats.org/officeDocument/2006/relationships" xmlns:p="http://schemas.openxmlformats.org/presentationml/2006/main">
+  <p:cSld>
+    <p:spTree>
+      <p:nvGrpSpPr>
+        <p:cNvPr id="1" name=""/>
+        <p:cNvGrpSpPr/>
+        <p:nvPr/>
+      </p:nvGrpSpPr>
+      <p:grpSpPr>
+        <a:xfrm>
+          <a:off x="0" y="0"/>
+          <a:ext cx="0" cy="0"/>
+          <a:chOff x="0" y="0"/>
+          <a:chExt cx="0" cy="0"/>
+        </a:xfrm>
+      </p:grpSpPr>
+      <p:sp>
+        <p:nvSpPr>
+          <p:cNvPr id="3" name="内容占位符 2">
+            <a:extLst>
+              <a:ext uri="{FF2B5EF4-FFF2-40B4-BE49-F238E27FC236}">
+                <a16:creationId xmlns:a16="http://schemas.microsoft.com/office/drawing/2014/main" id="{E4E2B587-CAD5-488E-ACEF-3D0F1DB5FEF3}"/>
+              </a:ext>
+            </a:extLst>
+          </p:cNvPr>
+          <p:cNvSpPr>
+            <a:spLocks noGrp="1"/>
+          </p:cNvSpPr>
+          <p:nvPr>
+            <p:ph idx="1"/>
+          </p:nvPr>
+        </p:nvSpPr>
+        <p:spPr/>
+        <p:txBody>
+          <a:bodyPr>
+            <a:normAutofit/>
+          </a:bodyPr>
+          <a:lstStyle/>
+          <a:p>
+            <a:pPr marL="57150" indent="0">
+              <a:buNone/>
+            </a:pPr>
+            <a:r>
+              <a:rPr lang="en-US" altLang="zh-CN" sz="1800" dirty="0"/>
+              <a:t>16.6.6 #pragma</a:t>
+            </a:r>
+            <a:endParaRPr lang="zh-CN" altLang="en-US" sz="1800" dirty="0"/>
+          </a:p>
+          <a:p>
+            <a:pPr lvl="1">
+              <a:buFont typeface="Wingdings" panose="05000000000000000000" pitchFamily="2" charset="2"/>
+              <a:buChar char="Ø"/>
+            </a:pPr>
+            <a:r>
+              <a:rPr lang="zh-CN" altLang="en-US" sz="1600" dirty="0"/>
+              <a:t>在现在的编译器中</a:t>
+            </a:r>
+            <a:r>
+              <a:rPr lang="en-US" altLang="zh-CN" sz="1600" dirty="0"/>
+              <a:t>,</a:t>
+            </a:r>
+            <a:r>
+              <a:rPr lang="zh-CN" altLang="en-US" sz="1600" dirty="0"/>
+              <a:t>可以通过命令行参数或者</a:t>
+            </a:r>
+            <a:r>
+              <a:rPr lang="en-US" altLang="zh-CN" sz="1600" dirty="0"/>
+              <a:t>IDE</a:t>
+            </a:r>
+            <a:r>
+              <a:rPr lang="zh-CN" altLang="en-US" sz="1600" dirty="0"/>
+              <a:t>菜单修改编译器的一些设置</a:t>
+            </a:r>
+            <a:endParaRPr lang="en-US" altLang="zh-CN" sz="1600" dirty="0"/>
+          </a:p>
+          <a:p>
+            <a:pPr lvl="1">
+              <a:buFont typeface="Wingdings" panose="05000000000000000000" pitchFamily="2" charset="2"/>
+              <a:buChar char="Ø"/>
+            </a:pPr>
+            <a:r>
+              <a:rPr lang="en-US" altLang="zh-CN" sz="1600" dirty="0"/>
+              <a:t>#pragma</a:t>
+            </a:r>
+            <a:r>
+              <a:rPr lang="zh-CN" altLang="en-US" sz="1600" dirty="0"/>
+              <a:t>把编译器指令放入源代码中</a:t>
+            </a:r>
+            <a:r>
+              <a:rPr lang="en-US" altLang="zh-CN" sz="1600" dirty="0"/>
+              <a:t>,</a:t>
+            </a:r>
+            <a:r>
+              <a:rPr lang="zh-CN" altLang="en-US" sz="1600" dirty="0"/>
+              <a:t>起到相同的作用</a:t>
+            </a:r>
+            <a:endParaRPr lang="en-US" altLang="zh-CN" sz="1600" dirty="0"/>
+          </a:p>
+          <a:p>
+            <a:pPr lvl="1">
+              <a:buFont typeface="Wingdings" panose="05000000000000000000" pitchFamily="2" charset="2"/>
+              <a:buChar char="Ø"/>
+            </a:pPr>
+            <a:r>
+              <a:rPr lang="en-US" altLang="zh-CN" sz="1600" dirty="0"/>
+              <a:t>#pragma c9x on,</a:t>
+            </a:r>
+            <a:r>
+              <a:rPr lang="zh-CN" altLang="en-US" sz="1600" dirty="0"/>
+              <a:t>让编译器支持</a:t>
+            </a:r>
+            <a:r>
+              <a:rPr lang="en-US" altLang="zh-CN" sz="1600" dirty="0"/>
+              <a:t>c99</a:t>
+            </a:r>
+          </a:p>
+          <a:p>
+            <a:pPr lvl="1">
+              <a:buFont typeface="Wingdings" panose="05000000000000000000" pitchFamily="2" charset="2"/>
+              <a:buChar char="Ø"/>
+            </a:pPr>
+            <a:r>
+              <a:rPr lang="en-US" altLang="zh-CN" sz="1600" dirty="0"/>
+              <a:t>C99</a:t>
+            </a:r>
+            <a:r>
+              <a:rPr lang="zh-CN" altLang="en-US" sz="1600" dirty="0"/>
+              <a:t>提供</a:t>
+            </a:r>
+            <a:r>
+              <a:rPr lang="en-US" altLang="zh-CN" sz="1600" dirty="0"/>
+              <a:t>_Pragma</a:t>
+            </a:r>
+            <a:r>
+              <a:rPr lang="zh-CN" altLang="en-US" sz="1600" dirty="0"/>
+              <a:t>预处理运算符</a:t>
+            </a:r>
+            <a:r>
+              <a:rPr lang="en-US" altLang="zh-CN" sz="1600" dirty="0"/>
+              <a:t>,</a:t>
+            </a:r>
+            <a:r>
+              <a:rPr lang="zh-CN" altLang="en-US" sz="1600" dirty="0"/>
+              <a:t>把字符串转换成普通的编译指令</a:t>
+            </a:r>
+            <a:endParaRPr lang="en-US" altLang="zh-CN" sz="1600" dirty="0"/>
+          </a:p>
+          <a:p>
+            <a:pPr lvl="1">
+              <a:buFont typeface="Wingdings" panose="05000000000000000000" pitchFamily="2" charset="2"/>
+              <a:buChar char="Ø"/>
+            </a:pPr>
+            <a:r>
+              <a:rPr lang="en-US" altLang="zh-CN" sz="1600" dirty="0"/>
+              <a:t>_Pragma(</a:t>
+            </a:r>
+            <a:r>
+              <a:rPr lang="en-US" altLang="zh-CN" sz="1600" dirty="0" err="1"/>
+              <a:t>nonstandardtreatmenttypeB</a:t>
+            </a:r>
+            <a:r>
+              <a:rPr lang="en-US" altLang="zh-CN" sz="1600" dirty="0"/>
+              <a:t> on)</a:t>
+            </a:r>
+            <a:r>
+              <a:rPr lang="zh-CN" altLang="en-US" sz="1600" dirty="0"/>
+              <a:t>等价</a:t>
+            </a:r>
+            <a:r>
+              <a:rPr lang="en-US" altLang="zh-CN" sz="1600" dirty="0"/>
+              <a:t>#pragma non… on</a:t>
+            </a:r>
+          </a:p>
+          <a:p>
+            <a:pPr marL="57150" indent="0">
+              <a:buNone/>
+            </a:pPr>
+            <a:r>
+              <a:rPr lang="en-US" altLang="zh-CN" sz="1800" dirty="0"/>
+              <a:t>16.6.7 </a:t>
+            </a:r>
+            <a:r>
+              <a:rPr lang="zh-CN" altLang="en-US" sz="1800" dirty="0"/>
+              <a:t>泛型选择</a:t>
+            </a:r>
+            <a:r>
+              <a:rPr lang="en-US" altLang="zh-CN" sz="1800" dirty="0"/>
+              <a:t>C11</a:t>
+            </a:r>
+          </a:p>
+          <a:p>
+            <a:pPr lvl="1">
+              <a:buFont typeface="Wingdings" panose="05000000000000000000" pitchFamily="2" charset="2"/>
+              <a:buChar char="Ø"/>
+            </a:pPr>
+            <a:r>
+              <a:rPr lang="zh-CN" altLang="en-US" sz="1600" dirty="0"/>
+              <a:t>泛型编程指那些没有特定类型</a:t>
+            </a:r>
+            <a:r>
+              <a:rPr lang="en-US" altLang="zh-CN" sz="1600" dirty="0"/>
+              <a:t>,</a:t>
+            </a:r>
+            <a:r>
+              <a:rPr lang="zh-CN" altLang="en-US" sz="1600" dirty="0"/>
+              <a:t>但是一旦制定一种类型</a:t>
+            </a:r>
+            <a:r>
+              <a:rPr lang="en-US" altLang="zh-CN" sz="1600" dirty="0"/>
+              <a:t>,</a:t>
+            </a:r>
+            <a:r>
+              <a:rPr lang="zh-CN" altLang="en-US" sz="1600" dirty="0"/>
+              <a:t>就可以转换成指定类型的代码</a:t>
+            </a:r>
+            <a:endParaRPr lang="en-US" altLang="zh-CN" sz="1600" dirty="0"/>
+          </a:p>
+          <a:p>
+            <a:pPr lvl="1">
+              <a:buFont typeface="Wingdings" panose="05000000000000000000" pitchFamily="2" charset="2"/>
+              <a:buChar char="Ø"/>
+            </a:pPr>
+            <a:r>
+              <a:rPr lang="en-US" altLang="zh-CN" sz="1600" dirty="0"/>
+              <a:t>C++</a:t>
+            </a:r>
+            <a:r>
+              <a:rPr lang="zh-CN" altLang="en-US" sz="1600" dirty="0"/>
+              <a:t>在模板中可以创建泛型算法</a:t>
+            </a:r>
+            <a:r>
+              <a:rPr lang="en-US" altLang="zh-CN" sz="1600" dirty="0"/>
+              <a:t>,C</a:t>
+            </a:r>
+            <a:r>
+              <a:rPr lang="zh-CN" altLang="en-US" sz="1600" dirty="0"/>
+              <a:t>没有这种功能</a:t>
+            </a:r>
+            <a:r>
+              <a:rPr lang="en-US" altLang="zh-CN" sz="1600" dirty="0"/>
+              <a:t>,</a:t>
+            </a:r>
+            <a:r>
+              <a:rPr lang="zh-CN" altLang="en-US" sz="1600" dirty="0"/>
+              <a:t>但</a:t>
+            </a:r>
+            <a:r>
+              <a:rPr lang="en-US" altLang="zh-CN" sz="1600" dirty="0"/>
+              <a:t>C11</a:t>
+            </a:r>
+            <a:r>
+              <a:rPr lang="zh-CN" altLang="en-US" sz="1600" dirty="0"/>
+              <a:t>新增泛型选择表达式</a:t>
+            </a:r>
+            <a:endParaRPr lang="en-US" altLang="zh-CN" sz="1600" dirty="0"/>
+          </a:p>
+          <a:p>
+            <a:pPr lvl="1">
+              <a:buFont typeface="Wingdings" panose="05000000000000000000" pitchFamily="2" charset="2"/>
+              <a:buChar char="Ø"/>
+            </a:pPr>
+            <a:r>
+              <a:rPr lang="zh-CN" altLang="en-US" sz="1600" dirty="0"/>
+              <a:t>可根据表达式的类型选择一个值</a:t>
+            </a:r>
+            <a:endParaRPr lang="en-US" altLang="zh-CN" sz="1600" dirty="0"/>
+          </a:p>
+          <a:p>
+            <a:pPr lvl="1">
+              <a:buFont typeface="Wingdings" panose="05000000000000000000" pitchFamily="2" charset="2"/>
+              <a:buChar char="Ø"/>
+            </a:pPr>
+            <a:r>
+              <a:rPr lang="zh-CN" altLang="en-US" sz="1600" dirty="0"/>
+              <a:t>泛型表达式不是预处理指令</a:t>
+            </a:r>
+            <a:r>
+              <a:rPr lang="en-US" altLang="zh-CN" sz="1600" dirty="0"/>
+              <a:t>,</a:t>
+            </a:r>
+            <a:r>
+              <a:rPr lang="zh-CN" altLang="en-US" sz="1600" dirty="0"/>
+              <a:t>但是在一些泛型编程中它常用作</a:t>
+            </a:r>
+            <a:r>
+              <a:rPr lang="en-US" altLang="zh-CN" sz="1600" dirty="0"/>
+              <a:t>#define</a:t>
+            </a:r>
+            <a:r>
+              <a:rPr lang="zh-CN" altLang="en-US" sz="1600" dirty="0"/>
+              <a:t>宏定义的一部分</a:t>
+            </a:r>
+            <a:endParaRPr lang="en-US" altLang="zh-CN" sz="1600" dirty="0"/>
+          </a:p>
+          <a:p>
+            <a:pPr lvl="1">
+              <a:buFont typeface="Wingdings" panose="05000000000000000000" pitchFamily="2" charset="2"/>
+              <a:buChar char="Ø"/>
+            </a:pPr>
+            <a:r>
+              <a:rPr lang="en-US" altLang="zh-CN" sz="1600" dirty="0"/>
+              <a:t>_Generic(x,int:0,float:1,double:2,default:3),</a:t>
+            </a:r>
+            <a:r>
+              <a:rPr lang="zh-CN" altLang="en-US" sz="1600" dirty="0"/>
+              <a:t>根据</a:t>
+            </a:r>
+            <a:r>
+              <a:rPr lang="en-US" altLang="zh-CN" sz="1600" dirty="0"/>
+              <a:t>x</a:t>
+            </a:r>
+            <a:r>
+              <a:rPr lang="zh-CN" altLang="en-US" sz="1600" dirty="0"/>
+              <a:t>的类型</a:t>
+            </a:r>
+            <a:r>
+              <a:rPr lang="en-US" altLang="zh-CN" sz="1600" dirty="0"/>
+              <a:t>,</a:t>
+            </a:r>
+            <a:r>
+              <a:rPr lang="zh-CN" altLang="en-US" sz="1600" dirty="0"/>
+              <a:t>选择表达式</a:t>
+            </a:r>
+            <a:endParaRPr lang="en-US" altLang="zh-CN" sz="1600" dirty="0"/>
+          </a:p>
+          <a:p>
+            <a:pPr lvl="1">
+              <a:buFont typeface="Wingdings" panose="05000000000000000000" pitchFamily="2" charset="2"/>
+              <a:buChar char="Ø"/>
+            </a:pPr>
+            <a:r>
+              <a:rPr lang="en-US" altLang="zh-CN" sz="1600" dirty="0"/>
+              <a:t>#define MYTYPE(X) _Generic((X),</a:t>
+            </a:r>
+            <a:r>
+              <a:rPr lang="en-US" altLang="zh-CN" sz="1600" dirty="0" err="1"/>
+              <a:t>int:”int”,float:”float”,double:”double”,default:”default</a:t>
+            </a:r>
+            <a:r>
+              <a:rPr lang="en-US" altLang="zh-CN" sz="1600" dirty="0"/>
+              <a:t>”)</a:t>
+            </a:r>
+          </a:p>
+        </p:txBody>
+      </p:sp>
+    </p:spTree>
+    <p:extLst>
+      <p:ext uri="{BB962C8B-B14F-4D97-AF65-F5344CB8AC3E}">
+        <p14:creationId xmlns:p14="http://schemas.microsoft.com/office/powerpoint/2010/main" val="3230966743"/>
+      </p:ext>
+    </p:extLst>
+  </p:cSld>
+  <p:clrMapOvr>
+    <a:masterClrMapping/>
+  </p:clrMapOvr>
+</p:sld>
+</file>
+
+<file path=ppt/slides/slide11.xml><?xml version="1.0" encoding="utf-8"?>
+<p:sld xmlns:a="http://schemas.openxmlformats.org/drawingml/2006/main" xmlns:r="http://schemas.openxmlformats.org/officeDocument/2006/relationships" xmlns:p="http://schemas.openxmlformats.org/presentationml/2006/main">
+  <p:cSld>
+    <p:spTree>
+      <p:nvGrpSpPr>
+        <p:cNvPr id="1" name=""/>
+        <p:cNvGrpSpPr/>
+        <p:nvPr/>
+      </p:nvGrpSpPr>
+      <p:grpSpPr>
+        <a:xfrm>
+          <a:off x="0" y="0"/>
+          <a:ext cx="0" cy="0"/>
+          <a:chOff x="0" y="0"/>
+          <a:chExt cx="0" cy="0"/>
+        </a:xfrm>
+      </p:grpSpPr>
+      <p:sp>
+        <p:nvSpPr>
+          <p:cNvPr id="3" name="内容占位符 2">
+            <a:extLst>
+              <a:ext uri="{FF2B5EF4-FFF2-40B4-BE49-F238E27FC236}">
+                <a16:creationId xmlns:a16="http://schemas.microsoft.com/office/drawing/2014/main" id="{E4E2B587-CAD5-488E-ACEF-3D0F1DB5FEF3}"/>
+              </a:ext>
+            </a:extLst>
+          </p:cNvPr>
+          <p:cNvSpPr>
+            <a:spLocks noGrp="1"/>
+          </p:cNvSpPr>
+          <p:nvPr>
+            <p:ph idx="1"/>
+          </p:nvPr>
+        </p:nvSpPr>
+        <p:spPr/>
+        <p:txBody>
+          <a:bodyPr>
+            <a:normAutofit/>
+          </a:bodyPr>
+          <a:lstStyle/>
+          <a:p>
+            <a:pPr marL="0" indent="0">
+              <a:buNone/>
+            </a:pPr>
+            <a:r>
+              <a:rPr lang="en-US" altLang="zh-CN" sz="2400" dirty="0"/>
+              <a:t>16.7 </a:t>
+            </a:r>
+            <a:r>
+              <a:rPr lang="zh-CN" altLang="en-US" sz="2400" dirty="0"/>
+              <a:t>内联函数</a:t>
+            </a:r>
+            <a:endParaRPr lang="en-US" altLang="zh-CN" sz="2400" dirty="0"/>
+          </a:p>
+          <a:p>
+            <a:pPr lvl="1">
+              <a:buFont typeface="Wingdings" panose="05000000000000000000" pitchFamily="2" charset="2"/>
+              <a:buChar char="Ø"/>
+            </a:pPr>
+            <a:r>
+              <a:rPr lang="zh-CN" altLang="en-US" dirty="0"/>
+              <a:t>通常</a:t>
+            </a:r>
+            <a:r>
+              <a:rPr lang="en-US" altLang="zh-CN" dirty="0"/>
+              <a:t>,</a:t>
+            </a:r>
+            <a:r>
+              <a:rPr lang="zh-CN" altLang="en-US" dirty="0"/>
+              <a:t>函数调用就有一定的开销</a:t>
+            </a:r>
+            <a:r>
+              <a:rPr lang="en-US" altLang="zh-CN" dirty="0"/>
+              <a:t>:</a:t>
+            </a:r>
+            <a:r>
+              <a:rPr lang="zh-CN" altLang="en-US" dirty="0"/>
+              <a:t>建立调用、传递参数、跳转到函数代码并返回</a:t>
+            </a:r>
+            <a:endParaRPr lang="en-US" altLang="zh-CN" dirty="0"/>
+          </a:p>
+          <a:p>
+            <a:pPr lvl="1">
+              <a:buFont typeface="Wingdings" panose="05000000000000000000" pitchFamily="2" charset="2"/>
+              <a:buChar char="Ø"/>
+            </a:pPr>
+            <a:r>
+              <a:rPr lang="zh-CN" altLang="en-US" dirty="0"/>
+              <a:t>使用宏使代码内联，避免这样的开销</a:t>
+            </a:r>
+            <a:endParaRPr lang="en-US" altLang="zh-CN" dirty="0"/>
+          </a:p>
+          <a:p>
+            <a:pPr lvl="1">
+              <a:buFont typeface="Wingdings" panose="05000000000000000000" pitchFamily="2" charset="2"/>
+              <a:buChar char="Ø"/>
+            </a:pPr>
+            <a:r>
+              <a:rPr lang="en-US" altLang="zh-CN" dirty="0"/>
+              <a:t>C99</a:t>
+            </a:r>
+            <a:r>
+              <a:rPr lang="zh-CN" altLang="en-US" dirty="0"/>
+              <a:t>提供了内联函数解决这种问题</a:t>
+            </a:r>
+            <a:endParaRPr lang="en-US" altLang="zh-CN" dirty="0"/>
+          </a:p>
+          <a:p>
+            <a:pPr marL="57150" indent="0">
+              <a:buNone/>
+            </a:pPr>
+            <a:r>
+              <a:rPr lang="en-US" altLang="zh-CN" sz="1800" dirty="0"/>
+              <a:t>16.7.1 </a:t>
+            </a:r>
+            <a:r>
+              <a:rPr lang="zh-CN" altLang="en-US" sz="1800" dirty="0"/>
+              <a:t>内联函数创建的几种方法</a:t>
+            </a:r>
+          </a:p>
+          <a:p>
+            <a:pPr lvl="1">
+              <a:buFont typeface="Wingdings" panose="05000000000000000000" pitchFamily="2" charset="2"/>
+              <a:buChar char="Ø"/>
+            </a:pPr>
+            <a:r>
+              <a:rPr lang="zh-CN" altLang="en-US" sz="1600" dirty="0"/>
+              <a:t>标准规定具有内部链接的函数可以称为内联函数</a:t>
+            </a:r>
+            <a:endParaRPr lang="en-US" altLang="zh-CN" sz="1600" dirty="0"/>
+          </a:p>
+          <a:p>
+            <a:pPr lvl="1">
+              <a:buFont typeface="Wingdings" panose="05000000000000000000" pitchFamily="2" charset="2"/>
+              <a:buChar char="Ø"/>
+            </a:pPr>
+            <a:r>
+              <a:rPr lang="zh-CN" altLang="en-US" sz="1600" dirty="0"/>
+              <a:t>内联函数的定义和调用必须在同一个文件</a:t>
+            </a:r>
+            <a:endParaRPr lang="en-US" altLang="zh-CN" sz="1600" dirty="0"/>
+          </a:p>
+          <a:p>
+            <a:pPr lvl="1">
+              <a:buFont typeface="Wingdings" panose="05000000000000000000" pitchFamily="2" charset="2"/>
+              <a:buChar char="Ø"/>
+            </a:pPr>
+            <a:r>
+              <a:rPr lang="zh-CN" altLang="en-US" sz="1600" dirty="0"/>
+              <a:t>所以用</a:t>
+            </a:r>
+            <a:r>
+              <a:rPr lang="en-US" altLang="zh-CN" sz="1600" dirty="0"/>
+              <a:t>inline</a:t>
+            </a:r>
+            <a:r>
+              <a:rPr lang="zh-CN" altLang="en-US" sz="1600" dirty="0"/>
+              <a:t>和</a:t>
+            </a:r>
+            <a:r>
+              <a:rPr lang="en-US" altLang="zh-CN" sz="1600" dirty="0"/>
+              <a:t>static</a:t>
+            </a:r>
+            <a:r>
+              <a:rPr lang="zh-CN" altLang="en-US" sz="1600" dirty="0"/>
+              <a:t>修饰函数就可以实现内联函数</a:t>
+            </a:r>
+            <a:endParaRPr lang="en-US" altLang="zh-CN" sz="1600" dirty="0"/>
+          </a:p>
+          <a:p>
+            <a:pPr lvl="1">
+              <a:buFont typeface="Wingdings" panose="05000000000000000000" pitchFamily="2" charset="2"/>
+              <a:buChar char="Ø"/>
+            </a:pPr>
+            <a:r>
+              <a:rPr lang="zh-CN" altLang="en-US" sz="1600" dirty="0"/>
+              <a:t>内联函数应该比较短小，较长的函数内联并未节约多少时间，因为执行函数体的时间比调用函数的时间长得多</a:t>
+            </a:r>
+            <a:endParaRPr lang="en-US" altLang="zh-CN" sz="1600" dirty="0"/>
+          </a:p>
+          <a:p>
+            <a:pPr lvl="1">
+              <a:buFont typeface="Wingdings" panose="05000000000000000000" pitchFamily="2" charset="2"/>
+              <a:buChar char="Ø"/>
+            </a:pPr>
+            <a:r>
+              <a:rPr lang="zh-CN" altLang="en-US" sz="1600" dirty="0"/>
+              <a:t>如果程序有多个文件都使用到内联函数，把内联函数的定义放在头文件中就通过包含头文件实现</a:t>
+            </a:r>
+            <a:endParaRPr lang="en-US" altLang="zh-CN" sz="1600" dirty="0"/>
+          </a:p>
+          <a:p>
+            <a:pPr lvl="1">
+              <a:buFont typeface="Wingdings" panose="05000000000000000000" pitchFamily="2" charset="2"/>
+              <a:buChar char="Ø"/>
+            </a:pPr>
+            <a:r>
+              <a:rPr lang="en-US" altLang="zh-CN" sz="1600" dirty="0"/>
+              <a:t>C</a:t>
+            </a:r>
+            <a:r>
+              <a:rPr lang="zh-CN" altLang="en-US" sz="1600" dirty="0"/>
+              <a:t>可以混用内联函数定义和外部函数定义</a:t>
+            </a:r>
+            <a:endParaRPr lang="en-US" altLang="zh-CN" sz="1600" dirty="0"/>
+          </a:p>
+        </p:txBody>
+      </p:sp>
+    </p:spTree>
+    <p:extLst>
+      <p:ext uri="{BB962C8B-B14F-4D97-AF65-F5344CB8AC3E}">
+        <p14:creationId xmlns:p14="http://schemas.microsoft.com/office/powerpoint/2010/main" val="1850192373"/>
+      </p:ext>
+    </p:extLst>
+  </p:cSld>
+  <p:clrMapOvr>
+    <a:masterClrMapping/>
+  </p:clrMapOvr>
+</p:sld>
+</file>
+
+<file path=ppt/slides/slide12.xml><?xml version="1.0" encoding="utf-8"?>
+<p:sld xmlns:a="http://schemas.openxmlformats.org/drawingml/2006/main" xmlns:r="http://schemas.openxmlformats.org/officeDocument/2006/relationships" xmlns:p="http://schemas.openxmlformats.org/presentationml/2006/main">
+  <p:cSld>
+    <p:spTree>
+      <p:nvGrpSpPr>
+        <p:cNvPr id="1" name=""/>
+        <p:cNvGrpSpPr/>
+        <p:nvPr/>
+      </p:nvGrpSpPr>
+      <p:grpSpPr>
+        <a:xfrm>
+          <a:off x="0" y="0"/>
+          <a:ext cx="0" cy="0"/>
+          <a:chOff x="0" y="0"/>
+          <a:chExt cx="0" cy="0"/>
+        </a:xfrm>
+      </p:grpSpPr>
+      <p:sp>
+        <p:nvSpPr>
+          <p:cNvPr id="3" name="内容占位符 2">
+            <a:extLst>
+              <a:ext uri="{FF2B5EF4-FFF2-40B4-BE49-F238E27FC236}">
+                <a16:creationId xmlns:a16="http://schemas.microsoft.com/office/drawing/2014/main" id="{E4E2B587-CAD5-488E-ACEF-3D0F1DB5FEF3}"/>
+              </a:ext>
+            </a:extLst>
+          </p:cNvPr>
+          <p:cNvSpPr>
+            <a:spLocks noGrp="1"/>
+          </p:cNvSpPr>
+          <p:nvPr>
+            <p:ph idx="1"/>
+          </p:nvPr>
+        </p:nvSpPr>
+        <p:spPr/>
+        <p:txBody>
+          <a:bodyPr>
+            <a:normAutofit/>
+          </a:bodyPr>
+          <a:lstStyle/>
+          <a:p>
+            <a:pPr marL="0" indent="0">
+              <a:buNone/>
+            </a:pPr>
+            <a:r>
+              <a:rPr lang="en-US" altLang="zh-CN" sz="2400" dirty="0"/>
+              <a:t>16.8 _</a:t>
+            </a:r>
+            <a:r>
+              <a:rPr lang="en-US" altLang="zh-CN" sz="2400" dirty="0" err="1"/>
+              <a:t>Noreturn</a:t>
+            </a:r>
+            <a:r>
+              <a:rPr lang="zh-CN" altLang="en-US" sz="2400" dirty="0"/>
+              <a:t>函数（</a:t>
+            </a:r>
+            <a:r>
+              <a:rPr lang="en-US" altLang="zh-CN" sz="2400" dirty="0"/>
+              <a:t>C11</a:t>
+            </a:r>
+            <a:r>
+              <a:rPr lang="zh-CN" altLang="en-US" sz="2400" dirty="0"/>
+              <a:t>）</a:t>
+            </a:r>
+            <a:endParaRPr lang="en-US" altLang="zh-CN" sz="2400" dirty="0"/>
+          </a:p>
+          <a:p>
+            <a:pPr lvl="1">
+              <a:buFont typeface="Wingdings" panose="05000000000000000000" pitchFamily="2" charset="2"/>
+              <a:buChar char="Ø"/>
+            </a:pPr>
+            <a:r>
+              <a:rPr lang="en-US" altLang="zh-CN" dirty="0"/>
+              <a:t>C11</a:t>
+            </a:r>
+            <a:r>
+              <a:rPr lang="zh-CN" altLang="en-US" dirty="0"/>
+              <a:t>新增第二个函数说明符</a:t>
+            </a:r>
+            <a:r>
+              <a:rPr lang="en-US" altLang="zh-CN" dirty="0"/>
+              <a:t>_</a:t>
+            </a:r>
+            <a:r>
+              <a:rPr lang="en-US" altLang="zh-CN" dirty="0" err="1"/>
+              <a:t>Noreturn</a:t>
+            </a:r>
+            <a:r>
+              <a:rPr lang="en-US" altLang="zh-CN" dirty="0"/>
+              <a:t>,</a:t>
+            </a:r>
+            <a:r>
+              <a:rPr lang="zh-CN" altLang="en-US" dirty="0"/>
+              <a:t>表明函数调用完成后函数不返回主调函数</a:t>
+            </a:r>
+            <a:endParaRPr lang="en-US" altLang="zh-CN" dirty="0"/>
+          </a:p>
+          <a:p>
+            <a:pPr lvl="1">
+              <a:buFont typeface="Wingdings" panose="05000000000000000000" pitchFamily="2" charset="2"/>
+              <a:buChar char="Ø"/>
+            </a:pPr>
+            <a:r>
+              <a:rPr lang="en-US" altLang="zh-CN" dirty="0"/>
+              <a:t>Exit()</a:t>
+            </a:r>
+            <a:r>
+              <a:rPr lang="zh-CN" altLang="en-US" dirty="0"/>
+              <a:t>函数是</a:t>
+            </a:r>
+            <a:r>
+              <a:rPr lang="en-US" altLang="zh-CN" dirty="0"/>
+              <a:t>_</a:t>
+            </a:r>
+            <a:r>
+              <a:rPr lang="en-US" altLang="zh-CN" dirty="0" err="1"/>
+              <a:t>Noreturn</a:t>
+            </a:r>
+            <a:r>
+              <a:rPr lang="zh-CN" altLang="en-US" dirty="0"/>
+              <a:t>函数的一个示例</a:t>
+            </a:r>
+            <a:endParaRPr lang="en-US" altLang="zh-CN" dirty="0"/>
+          </a:p>
+          <a:p>
+            <a:pPr lvl="1">
+              <a:buFont typeface="Wingdings" panose="05000000000000000000" pitchFamily="2" charset="2"/>
+              <a:buChar char="Ø"/>
+            </a:pPr>
+            <a:r>
+              <a:rPr lang="en-US" altLang="zh-CN" dirty="0"/>
+              <a:t>_</a:t>
+            </a:r>
+            <a:r>
+              <a:rPr lang="en-US" altLang="zh-CN" dirty="0" err="1"/>
+              <a:t>Noreturn</a:t>
+            </a:r>
+            <a:r>
+              <a:rPr lang="zh-CN" altLang="en-US" dirty="0"/>
+              <a:t>告诉用户和编译器，这个特殊函数不会把控制返回主函数</a:t>
+            </a:r>
+            <a:endParaRPr lang="en-US" altLang="zh-CN" dirty="0"/>
+          </a:p>
+        </p:txBody>
+      </p:sp>
+    </p:spTree>
+    <p:extLst>
+      <p:ext uri="{BB962C8B-B14F-4D97-AF65-F5344CB8AC3E}">
+        <p14:creationId xmlns:p14="http://schemas.microsoft.com/office/powerpoint/2010/main" val="3084147493"/>
+      </p:ext>
+    </p:extLst>
+  </p:cSld>
+  <p:clrMapOvr>
+    <a:masterClrMapping/>
+  </p:clrMapOvr>
+</p:sld>
+</file>
+
+<file path=ppt/slides/slide13.xml><?xml version="1.0" encoding="utf-8"?>
+<p:sld xmlns:a="http://schemas.openxmlformats.org/drawingml/2006/main" xmlns:r="http://schemas.openxmlformats.org/officeDocument/2006/relationships" xmlns:p="http://schemas.openxmlformats.org/presentationml/2006/main">
+  <p:cSld>
+    <p:spTree>
+      <p:nvGrpSpPr>
+        <p:cNvPr id="1" name=""/>
+        <p:cNvGrpSpPr/>
+        <p:nvPr/>
+      </p:nvGrpSpPr>
+      <p:grpSpPr>
+        <a:xfrm>
+          <a:off x="0" y="0"/>
+          <a:ext cx="0" cy="0"/>
+          <a:chOff x="0" y="0"/>
+          <a:chExt cx="0" cy="0"/>
+        </a:xfrm>
+      </p:grpSpPr>
+      <p:sp>
+        <p:nvSpPr>
+          <p:cNvPr id="3" name="内容占位符 2">
+            <a:extLst>
+              <a:ext uri="{FF2B5EF4-FFF2-40B4-BE49-F238E27FC236}">
+                <a16:creationId xmlns:a16="http://schemas.microsoft.com/office/drawing/2014/main" id="{E4E2B587-CAD5-488E-ACEF-3D0F1DB5FEF3}"/>
+              </a:ext>
+            </a:extLst>
+          </p:cNvPr>
+          <p:cNvSpPr>
+            <a:spLocks noGrp="1"/>
+          </p:cNvSpPr>
+          <p:nvPr>
+            <p:ph idx="1"/>
+          </p:nvPr>
+        </p:nvSpPr>
+        <p:spPr/>
+        <p:txBody>
+          <a:bodyPr>
+            <a:normAutofit/>
+          </a:bodyPr>
+          <a:lstStyle/>
+          <a:p>
+            <a:pPr marL="0" indent="0">
+              <a:buNone/>
+            </a:pPr>
+            <a:r>
+              <a:rPr lang="en-US" altLang="zh-CN" sz="2400" dirty="0"/>
+              <a:t>16.9 C</a:t>
+            </a:r>
+            <a:r>
+              <a:rPr lang="zh-CN" altLang="en-US" sz="2400" dirty="0"/>
+              <a:t>库</a:t>
+            </a:r>
+            <a:endParaRPr lang="en-US" altLang="zh-CN" sz="2400" dirty="0"/>
+          </a:p>
+          <a:p>
+            <a:pPr lvl="1">
+              <a:buFont typeface="Wingdings" panose="05000000000000000000" pitchFamily="2" charset="2"/>
+              <a:buChar char="Ø"/>
+            </a:pPr>
+            <a:r>
+              <a:rPr lang="zh-CN" altLang="en-US" dirty="0"/>
+              <a:t>最开始没有官方的</a:t>
+            </a:r>
+            <a:r>
+              <a:rPr lang="en-US" altLang="zh-CN" dirty="0"/>
+              <a:t>C</a:t>
+            </a:r>
+            <a:r>
+              <a:rPr lang="zh-CN" altLang="en-US" dirty="0"/>
+              <a:t>库，后来基于</a:t>
+            </a:r>
+            <a:r>
+              <a:rPr lang="en-US" altLang="zh-CN" dirty="0"/>
+              <a:t>UNIX</a:t>
+            </a:r>
+            <a:r>
+              <a:rPr lang="zh-CN" altLang="en-US" dirty="0"/>
+              <a:t>的</a:t>
+            </a:r>
+            <a:r>
+              <a:rPr lang="en-US" altLang="zh-CN" dirty="0"/>
+              <a:t>C</a:t>
+            </a:r>
+            <a:r>
+              <a:rPr lang="zh-CN" altLang="en-US" dirty="0"/>
+              <a:t>实现成为了标准</a:t>
+            </a:r>
+            <a:endParaRPr lang="en-US" altLang="zh-CN" dirty="0"/>
+          </a:p>
+          <a:p>
+            <a:pPr marL="57150" indent="0">
+              <a:buNone/>
+            </a:pPr>
+            <a:r>
+              <a:rPr lang="en-US" altLang="zh-CN" sz="1800" dirty="0"/>
+              <a:t>16.9.1 </a:t>
+            </a:r>
+            <a:r>
+              <a:rPr lang="zh-CN" altLang="en-US" sz="1800" dirty="0"/>
+              <a:t>访问</a:t>
+            </a:r>
+            <a:r>
+              <a:rPr lang="en-US" altLang="zh-CN" sz="1800" dirty="0"/>
+              <a:t>C</a:t>
+            </a:r>
+            <a:r>
+              <a:rPr lang="zh-CN" altLang="en-US" sz="1800" dirty="0"/>
+              <a:t>库</a:t>
+            </a:r>
+          </a:p>
+          <a:p>
+            <a:pPr lvl="1">
+              <a:buFont typeface="Wingdings" panose="05000000000000000000" pitchFamily="2" charset="2"/>
+              <a:buChar char="Ø"/>
+            </a:pPr>
+            <a:r>
+              <a:rPr lang="zh-CN" altLang="en-US" sz="1600" dirty="0"/>
+              <a:t>如何访问</a:t>
+            </a:r>
+            <a:r>
+              <a:rPr lang="en-US" altLang="zh-CN" sz="1600" dirty="0"/>
+              <a:t>C</a:t>
+            </a:r>
+            <a:r>
+              <a:rPr lang="zh-CN" altLang="en-US" sz="1600" dirty="0"/>
+              <a:t>库取决于实现，要了解当前系统的一般情况，可以在多个不同位置找到库函数</a:t>
+            </a:r>
+            <a:endParaRPr lang="en-US" altLang="zh-CN" sz="1600" dirty="0"/>
+          </a:p>
+          <a:p>
+            <a:pPr lvl="1">
+              <a:buFont typeface="Wingdings" panose="05000000000000000000" pitchFamily="2" charset="2"/>
+              <a:buChar char="Ø"/>
+            </a:pPr>
+            <a:r>
+              <a:rPr lang="zh-CN" altLang="en-US" sz="1600" dirty="0"/>
+              <a:t>自动访问：只要编译程序，就可以使用一些常用的函数</a:t>
+            </a:r>
+            <a:endParaRPr lang="en-US" altLang="zh-CN" sz="1600" dirty="0"/>
+          </a:p>
+          <a:p>
+            <a:pPr lvl="1">
+              <a:buFont typeface="Wingdings" panose="05000000000000000000" pitchFamily="2" charset="2"/>
+              <a:buChar char="Ø"/>
+            </a:pPr>
+            <a:r>
+              <a:rPr lang="zh-CN" altLang="en-US" sz="1600" dirty="0"/>
+              <a:t>文件包含：如果函数被定义为宏，可以通过</a:t>
+            </a:r>
+            <a:r>
+              <a:rPr lang="en-US" altLang="zh-CN" sz="1600" dirty="0"/>
+              <a:t>#include</a:t>
+            </a:r>
+            <a:r>
+              <a:rPr lang="zh-CN" altLang="en-US" sz="1600" dirty="0"/>
+              <a:t>指令包含定义宏函数的文件</a:t>
+            </a:r>
+            <a:endParaRPr lang="en-US" altLang="zh-CN" sz="1600" dirty="0"/>
+          </a:p>
+          <a:p>
+            <a:pPr lvl="1">
+              <a:buFont typeface="Wingdings" panose="05000000000000000000" pitchFamily="2" charset="2"/>
+              <a:buChar char="Ø"/>
+            </a:pPr>
+            <a:r>
+              <a:rPr lang="zh-CN" altLang="en-US" sz="1600" dirty="0"/>
+              <a:t>库包含：在编译或链接程序的某些阶段，可能需要指定库选项</a:t>
+            </a:r>
+            <a:endParaRPr lang="en-US" altLang="zh-CN" sz="1600" dirty="0"/>
+          </a:p>
+          <a:p>
+            <a:pPr marL="57150" indent="0">
+              <a:buNone/>
+            </a:pPr>
+            <a:r>
+              <a:rPr lang="en-US" altLang="zh-CN" sz="1800" dirty="0"/>
+              <a:t>16.9.2 </a:t>
+            </a:r>
+            <a:r>
+              <a:rPr lang="zh-CN" altLang="en-US" sz="1800" dirty="0"/>
+              <a:t>使用库描述</a:t>
+            </a:r>
+            <a:endParaRPr lang="en-US" altLang="zh-CN" sz="1800" dirty="0"/>
+          </a:p>
+          <a:p>
+            <a:pPr lvl="1">
+              <a:buFont typeface="Wingdings" panose="05000000000000000000" pitchFamily="2" charset="2"/>
+              <a:buChar char="Ø"/>
+            </a:pPr>
+            <a:r>
+              <a:rPr lang="zh-CN" altLang="en-US" sz="1600" dirty="0"/>
+              <a:t>多个地方找到函数文档：系统可能有在线手册，集成开发环境中的在线帮助，库函数的纸质用户手册，出版的</a:t>
+            </a:r>
+            <a:r>
+              <a:rPr lang="en-US" altLang="zh-CN" sz="1600" dirty="0"/>
+              <a:t>C</a:t>
+            </a:r>
+            <a:r>
+              <a:rPr lang="zh-CN" altLang="en-US" sz="1600" dirty="0"/>
+              <a:t>库参考手册，材料</a:t>
+            </a:r>
+            <a:endParaRPr lang="en-US" altLang="zh-CN" sz="1600" dirty="0"/>
+          </a:p>
+          <a:p>
+            <a:pPr marL="57150" indent="0">
+              <a:buNone/>
+            </a:pPr>
+            <a:endParaRPr lang="zh-CN" altLang="en-US" dirty="0"/>
+          </a:p>
+          <a:p>
+            <a:pPr marL="457200" lvl="1" indent="0">
+              <a:buNone/>
+            </a:pPr>
+            <a:endParaRPr lang="en-US" altLang="zh-CN" dirty="0"/>
+          </a:p>
+        </p:txBody>
+      </p:sp>
+    </p:spTree>
+    <p:extLst>
+      <p:ext uri="{BB962C8B-B14F-4D97-AF65-F5344CB8AC3E}">
+        <p14:creationId xmlns:p14="http://schemas.microsoft.com/office/powerpoint/2010/main" val="798080596"/>
+      </p:ext>
+    </p:extLst>
+  </p:cSld>
+  <p:clrMapOvr>
+    <a:masterClrMapping/>
+  </p:clrMapOvr>
+</p:sld>
+</file>
+
+<file path=ppt/slides/slide14.xml><?xml version="1.0" encoding="utf-8"?>
+<p:sld xmlns:a="http://schemas.openxmlformats.org/drawingml/2006/main" xmlns:r="http://schemas.openxmlformats.org/officeDocument/2006/relationships" xmlns:p="http://schemas.openxmlformats.org/presentationml/2006/main">
+  <p:cSld>
+    <p:spTree>
+      <p:nvGrpSpPr>
+        <p:cNvPr id="1" name=""/>
+        <p:cNvGrpSpPr/>
+        <p:nvPr/>
+      </p:nvGrpSpPr>
+      <p:grpSpPr>
+        <a:xfrm>
+          <a:off x="0" y="0"/>
+          <a:ext cx="0" cy="0"/>
+          <a:chOff x="0" y="0"/>
+          <a:chExt cx="0" cy="0"/>
+        </a:xfrm>
+      </p:grpSpPr>
+      <p:sp>
+        <p:nvSpPr>
+          <p:cNvPr id="3" name="内容占位符 2">
+            <a:extLst>
+              <a:ext uri="{FF2B5EF4-FFF2-40B4-BE49-F238E27FC236}">
+                <a16:creationId xmlns:a16="http://schemas.microsoft.com/office/drawing/2014/main" id="{E4E2B587-CAD5-488E-ACEF-3D0F1DB5FEF3}"/>
+              </a:ext>
+            </a:extLst>
+          </p:cNvPr>
+          <p:cNvSpPr>
+            <a:spLocks noGrp="1"/>
+          </p:cNvSpPr>
+          <p:nvPr>
+            <p:ph idx="1"/>
+          </p:nvPr>
+        </p:nvSpPr>
+        <p:spPr/>
+        <p:txBody>
+          <a:bodyPr>
+            <a:normAutofit/>
+          </a:bodyPr>
+          <a:lstStyle/>
+          <a:p>
+            <a:pPr marL="0" indent="0">
+              <a:buNone/>
+            </a:pPr>
+            <a:r>
+              <a:rPr lang="en-US" altLang="zh-CN" sz="2400" dirty="0"/>
+              <a:t>16.10 </a:t>
+            </a:r>
+            <a:r>
+              <a:rPr lang="zh-CN" altLang="en-US" sz="2400" dirty="0"/>
+              <a:t>数学库</a:t>
+            </a:r>
+            <a:endParaRPr lang="en-US" altLang="zh-CN" sz="2400" dirty="0"/>
+          </a:p>
+          <a:p>
+            <a:pPr lvl="1">
+              <a:buFont typeface="Wingdings" panose="05000000000000000000" pitchFamily="2" charset="2"/>
+              <a:buChar char="Ø"/>
+            </a:pPr>
+            <a:r>
+              <a:rPr lang="zh-CN" altLang="en-US" dirty="0"/>
+              <a:t>数学库中包含许多有用的数学函数，</a:t>
+            </a:r>
+            <a:r>
+              <a:rPr lang="en-US" altLang="zh-CN" dirty="0" err="1"/>
+              <a:t>math.h</a:t>
+            </a:r>
+            <a:r>
+              <a:rPr lang="zh-CN" altLang="en-US" dirty="0"/>
+              <a:t>中提供了这些函数的原型</a:t>
+            </a:r>
+            <a:endParaRPr lang="en-US" altLang="zh-CN" dirty="0"/>
+          </a:p>
+          <a:p>
+            <a:pPr lvl="1">
+              <a:buFont typeface="Wingdings" panose="05000000000000000000" pitchFamily="2" charset="2"/>
+              <a:buChar char="Ø"/>
+            </a:pPr>
+            <a:r>
+              <a:rPr lang="zh-CN" altLang="en-US" dirty="0"/>
+              <a:t>函数中涉及的角度单位为弧度（</a:t>
+            </a:r>
+            <a:r>
+              <a:rPr lang="en-US" altLang="zh-CN" dirty="0"/>
+              <a:t>180/pi</a:t>
+            </a:r>
+            <a:r>
+              <a:rPr lang="zh-CN" altLang="en-US" dirty="0"/>
+              <a:t>）</a:t>
+            </a:r>
+            <a:endParaRPr lang="en-US" altLang="zh-CN" dirty="0"/>
+          </a:p>
+          <a:p>
+            <a:pPr marL="57150" indent="0">
+              <a:buNone/>
+            </a:pPr>
+            <a:r>
+              <a:rPr lang="en-US" altLang="zh-CN" sz="1800" dirty="0"/>
+              <a:t>16.10.1 </a:t>
+            </a:r>
+            <a:r>
+              <a:rPr lang="zh-CN" altLang="en-US" sz="1800" dirty="0"/>
+              <a:t>三角问题</a:t>
+            </a:r>
+          </a:p>
+          <a:p>
+            <a:pPr lvl="1">
+              <a:buFont typeface="Wingdings" panose="05000000000000000000" pitchFamily="2" charset="2"/>
+              <a:buChar char="Ø"/>
+            </a:pPr>
+            <a:r>
+              <a:rPr lang="zh-CN" altLang="en-US" sz="1600" dirty="0"/>
+              <a:t>因为出现一对多问题所以会混乱</a:t>
+            </a:r>
+            <a:endParaRPr lang="en-US" altLang="zh-CN" sz="1600" dirty="0"/>
+          </a:p>
+          <a:p>
+            <a:pPr marL="57150" indent="0">
+              <a:buNone/>
+            </a:pPr>
+            <a:r>
+              <a:rPr lang="en-US" altLang="zh-CN" sz="1800" dirty="0"/>
+              <a:t>16.10.2 </a:t>
+            </a:r>
+            <a:r>
+              <a:rPr lang="zh-CN" altLang="en-US" sz="1800" dirty="0"/>
+              <a:t>类型变体</a:t>
+            </a:r>
+            <a:endParaRPr lang="en-US" altLang="zh-CN" sz="1800" dirty="0"/>
+          </a:p>
+          <a:p>
+            <a:pPr lvl="1">
+              <a:buFont typeface="Wingdings" panose="05000000000000000000" pitchFamily="2" charset="2"/>
+              <a:buChar char="Ø"/>
+            </a:pPr>
+            <a:r>
+              <a:rPr lang="zh-CN" altLang="en-US" sz="1600" dirty="0"/>
+              <a:t>因为传入参数的类型问题导致计算快慢问题</a:t>
+            </a:r>
+            <a:endParaRPr lang="en-US" altLang="zh-CN" sz="1600" dirty="0"/>
+          </a:p>
+          <a:p>
+            <a:pPr marL="57150" indent="0">
+              <a:buNone/>
+            </a:pPr>
+            <a:r>
+              <a:rPr lang="en-US" altLang="zh-CN" sz="1800" dirty="0"/>
+              <a:t>16.10.3 </a:t>
+            </a:r>
+            <a:r>
+              <a:rPr lang="en-US" altLang="zh-CN" sz="1800" dirty="0" err="1"/>
+              <a:t>tgmath.h</a:t>
+            </a:r>
+            <a:r>
+              <a:rPr lang="zh-CN" altLang="en-US" sz="1800" dirty="0"/>
+              <a:t>库</a:t>
+            </a:r>
+            <a:endParaRPr lang="en-US" altLang="zh-CN" sz="1800" dirty="0"/>
+          </a:p>
+          <a:p>
+            <a:pPr lvl="1">
+              <a:buFont typeface="Wingdings" panose="05000000000000000000" pitchFamily="2" charset="2"/>
+              <a:buChar char="Ø"/>
+            </a:pPr>
+            <a:r>
+              <a:rPr lang="en-US" altLang="zh-CN" dirty="0" err="1"/>
+              <a:t>Tgmath.h</a:t>
+            </a:r>
+            <a:r>
+              <a:rPr lang="zh-CN" altLang="en-US" dirty="0"/>
+              <a:t>中定义了泛型类型宏</a:t>
+            </a:r>
+          </a:p>
+          <a:p>
+            <a:pPr marL="457200" lvl="1" indent="0">
+              <a:buNone/>
+            </a:pPr>
+            <a:endParaRPr lang="zh-CN" altLang="en-US" dirty="0"/>
+          </a:p>
+          <a:p>
+            <a:pPr marL="457200" lvl="1" indent="0">
+              <a:buNone/>
+            </a:pPr>
+            <a:endParaRPr lang="en-US" altLang="zh-CN" dirty="0"/>
+          </a:p>
+        </p:txBody>
+      </p:sp>
+    </p:spTree>
+    <p:extLst>
+      <p:ext uri="{BB962C8B-B14F-4D97-AF65-F5344CB8AC3E}">
+        <p14:creationId xmlns:p14="http://schemas.microsoft.com/office/powerpoint/2010/main" val="3204125159"/>
+      </p:ext>
+    </p:extLst>
+  </p:cSld>
+  <p:clrMapOvr>
+    <a:masterClrMapping/>
+  </p:clrMapOvr>
+</p:sld>
+</file>
+
+<file path=ppt/slides/slide15.xml><?xml version="1.0" encoding="utf-8"?>
+<p:sld xmlns:a="http://schemas.openxmlformats.org/drawingml/2006/main" xmlns:r="http://schemas.openxmlformats.org/officeDocument/2006/relationships" xmlns:p="http://schemas.openxmlformats.org/presentationml/2006/main">
+  <p:cSld>
+    <p:spTree>
+      <p:nvGrpSpPr>
+        <p:cNvPr id="1" name=""/>
+        <p:cNvGrpSpPr/>
+        <p:nvPr/>
+      </p:nvGrpSpPr>
+      <p:grpSpPr>
+        <a:xfrm>
+          <a:off x="0" y="0"/>
+          <a:ext cx="0" cy="0"/>
+          <a:chOff x="0" y="0"/>
+          <a:chExt cx="0" cy="0"/>
+        </a:xfrm>
+      </p:grpSpPr>
+      <p:sp>
+        <p:nvSpPr>
+          <p:cNvPr id="3" name="内容占位符 2">
+            <a:extLst>
+              <a:ext uri="{FF2B5EF4-FFF2-40B4-BE49-F238E27FC236}">
+                <a16:creationId xmlns:a16="http://schemas.microsoft.com/office/drawing/2014/main" id="{E4E2B587-CAD5-488E-ACEF-3D0F1DB5FEF3}"/>
+              </a:ext>
+            </a:extLst>
+          </p:cNvPr>
+          <p:cNvSpPr>
+            <a:spLocks noGrp="1"/>
+          </p:cNvSpPr>
+          <p:nvPr>
+            <p:ph idx="1"/>
+          </p:nvPr>
+        </p:nvSpPr>
+        <p:spPr/>
+        <p:txBody>
+          <a:bodyPr>
+            <a:normAutofit/>
+          </a:bodyPr>
+          <a:lstStyle/>
+          <a:p>
+            <a:pPr marL="0" indent="0">
+              <a:buNone/>
+            </a:pPr>
+            <a:r>
+              <a:rPr lang="en-US" altLang="zh-CN" sz="2400" dirty="0"/>
+              <a:t>16.11 </a:t>
+            </a:r>
+            <a:r>
+              <a:rPr lang="zh-CN" altLang="en-US" sz="2400" dirty="0"/>
+              <a:t>通用工具库</a:t>
+            </a:r>
+            <a:endParaRPr lang="en-US" altLang="zh-CN" sz="2400" dirty="0"/>
+          </a:p>
+          <a:p>
+            <a:pPr lvl="1">
+              <a:buFont typeface="Wingdings" panose="05000000000000000000" pitchFamily="2" charset="2"/>
+              <a:buChar char="Ø"/>
+            </a:pPr>
+            <a:r>
+              <a:rPr lang="zh-CN" altLang="en-US" dirty="0"/>
+              <a:t>通用工具库包含各种函数：随机数生成器、查找、排序函数、转换函数、内存管理函数，这些在</a:t>
+            </a:r>
+            <a:r>
+              <a:rPr lang="en-US" altLang="zh-CN" dirty="0"/>
+              <a:t>ANSI C</a:t>
+            </a:r>
+            <a:r>
+              <a:rPr lang="zh-CN" altLang="en-US" dirty="0"/>
+              <a:t>中，都在</a:t>
+            </a:r>
+            <a:r>
+              <a:rPr lang="en-US" altLang="zh-CN" dirty="0" err="1"/>
+              <a:t>stdlib.h</a:t>
+            </a:r>
+            <a:r>
+              <a:rPr lang="zh-CN" altLang="en-US" dirty="0"/>
+              <a:t>头文件中</a:t>
+            </a:r>
+            <a:endParaRPr lang="en-US" altLang="zh-CN" dirty="0"/>
+          </a:p>
+          <a:p>
+            <a:pPr lvl="1">
+              <a:buFont typeface="Wingdings" panose="05000000000000000000" pitchFamily="2" charset="2"/>
+              <a:buChar char="Ø"/>
+            </a:pPr>
+            <a:r>
+              <a:rPr lang="zh-CN" altLang="en-US" dirty="0"/>
+              <a:t>函数中涉及的角度单位为弧度（</a:t>
+            </a:r>
+            <a:r>
+              <a:rPr lang="en-US" altLang="zh-CN" dirty="0"/>
+              <a:t>180/pi</a:t>
+            </a:r>
+            <a:r>
+              <a:rPr lang="zh-CN" altLang="en-US" dirty="0"/>
+              <a:t>）</a:t>
+            </a:r>
+            <a:endParaRPr lang="en-US" altLang="zh-CN" dirty="0"/>
+          </a:p>
+          <a:p>
+            <a:pPr marL="57150" indent="0">
+              <a:buNone/>
+            </a:pPr>
+            <a:r>
+              <a:rPr lang="en-US" altLang="zh-CN" sz="1800" dirty="0"/>
+              <a:t>16.11.1 exit()</a:t>
+            </a:r>
+            <a:r>
+              <a:rPr lang="zh-CN" altLang="en-US" sz="1800" dirty="0"/>
+              <a:t>和</a:t>
+            </a:r>
+            <a:r>
+              <a:rPr lang="en-US" altLang="zh-CN" sz="1800" dirty="0" err="1"/>
+              <a:t>atexit</a:t>
+            </a:r>
+            <a:r>
+              <a:rPr lang="en-US" altLang="zh-CN" sz="1800" dirty="0"/>
+              <a:t>()</a:t>
+            </a:r>
+            <a:endParaRPr lang="zh-CN" altLang="en-US" sz="1800" dirty="0"/>
+          </a:p>
+          <a:p>
+            <a:pPr lvl="1">
+              <a:buFont typeface="Wingdings" panose="05000000000000000000" pitchFamily="2" charset="2"/>
+              <a:buChar char="Ø"/>
+            </a:pPr>
+            <a:r>
+              <a:rPr lang="zh-CN" altLang="en-US" sz="1600" dirty="0"/>
+              <a:t>在</a:t>
+            </a:r>
+            <a:r>
+              <a:rPr lang="en-US" altLang="zh-CN" sz="1600" dirty="0"/>
+              <a:t>main()</a:t>
+            </a:r>
+            <a:r>
+              <a:rPr lang="zh-CN" altLang="en-US" sz="1600" dirty="0"/>
+              <a:t>返回系统时自动调用</a:t>
+            </a:r>
+            <a:r>
+              <a:rPr lang="en-US" altLang="zh-CN" sz="1600" dirty="0"/>
+              <a:t>exit()</a:t>
+            </a:r>
+          </a:p>
+          <a:p>
+            <a:pPr lvl="1">
+              <a:buFont typeface="Wingdings" panose="05000000000000000000" pitchFamily="2" charset="2"/>
+              <a:buChar char="Ø"/>
+            </a:pPr>
+            <a:r>
+              <a:rPr lang="zh-CN" altLang="en-US" sz="1600" dirty="0"/>
+              <a:t>可以指定在执行</a:t>
+            </a:r>
+            <a:r>
+              <a:rPr lang="en-US" altLang="zh-CN" sz="1600" dirty="0"/>
+              <a:t>exit()</a:t>
+            </a:r>
+            <a:r>
+              <a:rPr lang="zh-CN" altLang="en-US" sz="1600" dirty="0"/>
+              <a:t>时调用的特定函数，</a:t>
+            </a:r>
+            <a:r>
+              <a:rPr lang="en-US" altLang="zh-CN" sz="1600" dirty="0" err="1"/>
+              <a:t>atexit</a:t>
+            </a:r>
+            <a:r>
+              <a:rPr lang="en-US" altLang="zh-CN" sz="1600" dirty="0"/>
+              <a:t>()</a:t>
+            </a:r>
+            <a:r>
+              <a:rPr lang="zh-CN" altLang="en-US" sz="1600" dirty="0"/>
+              <a:t>通过退出时注册被调用的函数提供这种功能</a:t>
+            </a:r>
+            <a:endParaRPr lang="en-US" altLang="zh-CN" sz="1600" dirty="0"/>
+          </a:p>
+          <a:p>
+            <a:pPr lvl="1">
+              <a:buFont typeface="Wingdings" panose="05000000000000000000" pitchFamily="2" charset="2"/>
+              <a:buChar char="Ø"/>
+            </a:pPr>
+            <a:r>
+              <a:rPr lang="en-US" altLang="zh-CN" sz="1600" dirty="0"/>
+              <a:t>exit()</a:t>
+            </a:r>
+            <a:r>
+              <a:rPr lang="zh-CN" altLang="en-US" sz="1600" dirty="0"/>
+              <a:t>在执行玩</a:t>
+            </a:r>
+            <a:r>
+              <a:rPr lang="en-US" altLang="zh-CN" sz="1600" dirty="0" err="1"/>
+              <a:t>atexit</a:t>
+            </a:r>
+            <a:r>
+              <a:rPr lang="en-US" altLang="zh-CN" sz="1600" dirty="0"/>
+              <a:t>()</a:t>
+            </a:r>
+            <a:r>
+              <a:rPr lang="zh-CN" altLang="en-US" sz="1600" dirty="0"/>
+              <a:t>指定函数后，会完成一些清理工作</a:t>
+            </a:r>
+            <a:r>
+              <a:rPr lang="en-US" altLang="zh-CN" sz="1600" dirty="0"/>
+              <a:t>:</a:t>
+            </a:r>
+            <a:r>
+              <a:rPr lang="zh-CN" altLang="en-US" sz="1600" dirty="0"/>
+              <a:t>刷新输出流、关闭所有打开的流和关闭临时文件，把控制权交给主机</a:t>
+            </a:r>
+            <a:endParaRPr lang="en-US" altLang="zh-CN" sz="1600" dirty="0"/>
+          </a:p>
+          <a:p>
+            <a:pPr marL="57150" indent="0">
+              <a:buNone/>
+            </a:pPr>
+            <a:r>
+              <a:rPr lang="en-US" altLang="zh-CN" sz="1800" dirty="0"/>
+              <a:t>16.11.2 </a:t>
+            </a:r>
+            <a:r>
+              <a:rPr lang="en-US" altLang="zh-CN" sz="1800" dirty="0" err="1"/>
+              <a:t>qsort</a:t>
+            </a:r>
+            <a:r>
+              <a:rPr lang="en-US" altLang="zh-CN" sz="1800" dirty="0"/>
+              <a:t>()</a:t>
+            </a:r>
+          </a:p>
+          <a:p>
+            <a:pPr lvl="1">
+              <a:buFont typeface="Wingdings" panose="05000000000000000000" pitchFamily="2" charset="2"/>
+              <a:buChar char="Ø"/>
+            </a:pPr>
+            <a:r>
+              <a:rPr lang="zh-CN" altLang="en-US" sz="1600" dirty="0"/>
+              <a:t>对于大型数组，快速排序是最有效的方法之一</a:t>
+            </a:r>
+            <a:endParaRPr lang="en-US" altLang="zh-CN" sz="1600" dirty="0"/>
+          </a:p>
+          <a:p>
+            <a:pPr marL="57150" indent="0">
+              <a:buNone/>
+            </a:pPr>
+            <a:r>
+              <a:rPr lang="en-US" altLang="zh-CN" sz="1800" dirty="0"/>
+              <a:t>16.10.3 </a:t>
+            </a:r>
+            <a:r>
+              <a:rPr lang="en-US" altLang="zh-CN" sz="1800" dirty="0" err="1"/>
+              <a:t>tgmath.h</a:t>
+            </a:r>
+            <a:r>
+              <a:rPr lang="zh-CN" altLang="en-US" sz="1800" dirty="0"/>
+              <a:t>库</a:t>
+            </a:r>
+            <a:endParaRPr lang="en-US" altLang="zh-CN" sz="1800" dirty="0"/>
+          </a:p>
+          <a:p>
+            <a:pPr lvl="1">
+              <a:buFont typeface="Wingdings" panose="05000000000000000000" pitchFamily="2" charset="2"/>
+              <a:buChar char="Ø"/>
+            </a:pPr>
+            <a:r>
+              <a:rPr lang="en-US" altLang="zh-CN" dirty="0" err="1"/>
+              <a:t>Tgmath.h</a:t>
+            </a:r>
+            <a:r>
+              <a:rPr lang="zh-CN" altLang="en-US" dirty="0"/>
+              <a:t>中定义了泛型类型宏</a:t>
+            </a:r>
+          </a:p>
+          <a:p>
+            <a:pPr marL="457200" lvl="1" indent="0">
+              <a:buNone/>
+            </a:pPr>
+            <a:endParaRPr lang="zh-CN" altLang="en-US" dirty="0"/>
+          </a:p>
+          <a:p>
+            <a:pPr marL="457200" lvl="1" indent="0">
+              <a:buNone/>
+            </a:pPr>
+            <a:endParaRPr lang="en-US" altLang="zh-CN" dirty="0"/>
+          </a:p>
+        </p:txBody>
+      </p:sp>
+    </p:spTree>
+    <p:extLst>
+      <p:ext uri="{BB962C8B-B14F-4D97-AF65-F5344CB8AC3E}">
+        <p14:creationId xmlns:p14="http://schemas.microsoft.com/office/powerpoint/2010/main" val="3848272741"/>
+      </p:ext>
+    </p:extLst>
+  </p:cSld>
+  <p:clrMapOvr>
+    <a:masterClrMapping/>
+  </p:clrMapOvr>
+</p:sld>
+</file>
+
+<file path=ppt/slides/slide16.xml><?xml version="1.0" encoding="utf-8"?>
+<p:sld xmlns:a="http://schemas.openxmlformats.org/drawingml/2006/main" xmlns:r="http://schemas.openxmlformats.org/officeDocument/2006/relationships" xmlns:p="http://schemas.openxmlformats.org/presentationml/2006/main">
+  <p:cSld>
+    <p:spTree>
+      <p:nvGrpSpPr>
+        <p:cNvPr id="1" name=""/>
+        <p:cNvGrpSpPr/>
+        <p:nvPr/>
+      </p:nvGrpSpPr>
+      <p:grpSpPr>
+        <a:xfrm>
+          <a:off x="0" y="0"/>
+          <a:ext cx="0" cy="0"/>
+          <a:chOff x="0" y="0"/>
+          <a:chExt cx="0" cy="0"/>
+        </a:xfrm>
+      </p:grpSpPr>
+      <p:sp>
+        <p:nvSpPr>
+          <p:cNvPr id="3" name="内容占位符 2">
+            <a:extLst>
+              <a:ext uri="{FF2B5EF4-FFF2-40B4-BE49-F238E27FC236}">
+                <a16:creationId xmlns:a16="http://schemas.microsoft.com/office/drawing/2014/main" id="{E4E2B587-CAD5-488E-ACEF-3D0F1DB5FEF3}"/>
+              </a:ext>
+            </a:extLst>
+          </p:cNvPr>
+          <p:cNvSpPr>
+            <a:spLocks noGrp="1"/>
+          </p:cNvSpPr>
+          <p:nvPr>
+            <p:ph idx="1"/>
+          </p:nvPr>
+        </p:nvSpPr>
+        <p:spPr/>
+        <p:txBody>
+          <a:bodyPr>
+            <a:normAutofit/>
+          </a:bodyPr>
+          <a:lstStyle/>
+          <a:p>
+            <a:pPr marL="0" indent="0">
+              <a:buNone/>
+            </a:pPr>
+            <a:r>
+              <a:rPr lang="en-US" altLang="zh-CN" sz="2400" dirty="0"/>
+              <a:t>16.12 </a:t>
+            </a:r>
+            <a:r>
+              <a:rPr lang="zh-CN" altLang="en-US" sz="2400" dirty="0"/>
+              <a:t>断言库</a:t>
+            </a:r>
+            <a:endParaRPr lang="en-US" altLang="zh-CN" sz="2400" dirty="0"/>
+          </a:p>
+          <a:p>
+            <a:pPr lvl="1">
+              <a:buFont typeface="Wingdings" panose="05000000000000000000" pitchFamily="2" charset="2"/>
+              <a:buChar char="Ø"/>
+            </a:pPr>
+            <a:r>
+              <a:rPr lang="en-US" altLang="zh-CN" dirty="0" err="1"/>
+              <a:t>Assert.h</a:t>
+            </a:r>
+            <a:r>
+              <a:rPr lang="zh-CN" altLang="en-US" dirty="0"/>
+              <a:t>支持的断言库是一个用于辅助调试程序的小型库</a:t>
+            </a:r>
+            <a:endParaRPr lang="en-US" altLang="zh-CN" dirty="0"/>
+          </a:p>
+          <a:p>
+            <a:pPr marL="57150" indent="0">
+              <a:buNone/>
+            </a:pPr>
+            <a:r>
+              <a:rPr lang="en-US" altLang="zh-CN" sz="1800" dirty="0"/>
+              <a:t>16.12.1 assert()</a:t>
+            </a:r>
+            <a:r>
+              <a:rPr lang="zh-CN" altLang="en-US" sz="1800" dirty="0"/>
+              <a:t>的用法</a:t>
+            </a:r>
+          </a:p>
+          <a:p>
+            <a:pPr lvl="1">
+              <a:buFont typeface="Wingdings" panose="05000000000000000000" pitchFamily="2" charset="2"/>
+              <a:buChar char="Ø"/>
+            </a:pPr>
+            <a:r>
+              <a:rPr lang="zh-CN" altLang="en-US" sz="1600" dirty="0"/>
+              <a:t>接受一个整形表达式为参数，如果为假（非零），在</a:t>
+            </a:r>
+            <a:r>
+              <a:rPr lang="en-US" altLang="zh-CN" sz="1600" dirty="0"/>
+              <a:t>stderr</a:t>
+            </a:r>
+            <a:r>
+              <a:rPr lang="zh-CN" altLang="en-US" sz="1600" dirty="0"/>
+              <a:t>写入错误信息</a:t>
+            </a:r>
+            <a:endParaRPr lang="en-US" altLang="zh-CN" sz="1600" dirty="0"/>
+          </a:p>
+          <a:p>
+            <a:pPr lvl="1">
+              <a:buFont typeface="Wingdings" panose="05000000000000000000" pitchFamily="2" charset="2"/>
+              <a:buChar char="Ø"/>
+            </a:pPr>
+            <a:r>
+              <a:rPr lang="zh-CN" altLang="en-US" sz="1600" dirty="0"/>
+              <a:t>用</a:t>
+            </a:r>
+            <a:r>
+              <a:rPr lang="en-US" altLang="zh-CN" sz="1600" dirty="0"/>
+              <a:t>abort()</a:t>
+            </a:r>
+            <a:r>
+              <a:rPr lang="zh-CN" altLang="en-US" sz="1600" dirty="0"/>
+              <a:t>显示所在函数名，文件位置，行号</a:t>
+            </a:r>
+            <a:endParaRPr lang="en-US" altLang="zh-CN" sz="1600" dirty="0"/>
+          </a:p>
+          <a:p>
+            <a:pPr marL="57150" indent="0">
+              <a:buNone/>
+            </a:pPr>
+            <a:r>
+              <a:rPr lang="en-US" altLang="zh-CN" sz="1800" dirty="0"/>
+              <a:t>16.12.2 _</a:t>
+            </a:r>
+            <a:r>
+              <a:rPr lang="en-US" altLang="zh-CN" sz="1800" dirty="0" err="1"/>
+              <a:t>Static_assert</a:t>
+            </a:r>
+            <a:r>
+              <a:rPr lang="en-US" altLang="zh-CN" sz="1800" dirty="0"/>
+              <a:t>()</a:t>
+            </a:r>
+          </a:p>
+          <a:p>
+            <a:pPr lvl="1">
+              <a:buFont typeface="Wingdings" panose="05000000000000000000" pitchFamily="2" charset="2"/>
+              <a:buChar char="Ø"/>
+            </a:pPr>
+            <a:r>
+              <a:rPr lang="en-US" altLang="zh-CN" sz="1600" dirty="0"/>
+              <a:t>Assert</a:t>
+            </a:r>
+            <a:r>
+              <a:rPr lang="zh-CN" altLang="en-US" sz="1600" dirty="0"/>
+              <a:t>接受表达式，只有在运行时才能有效</a:t>
+            </a:r>
+            <a:endParaRPr lang="en-US" altLang="zh-CN" sz="1600" dirty="0"/>
+          </a:p>
+          <a:p>
+            <a:pPr lvl="1">
+              <a:buFont typeface="Wingdings" panose="05000000000000000000" pitchFamily="2" charset="2"/>
+              <a:buChar char="Ø"/>
+            </a:pPr>
+            <a:r>
+              <a:rPr lang="en-US" altLang="zh-CN" sz="1600" dirty="0"/>
+              <a:t>_</a:t>
+            </a:r>
+            <a:r>
+              <a:rPr lang="en-US" altLang="zh-CN" sz="1600" dirty="0" err="1"/>
+              <a:t>Static_assert</a:t>
+            </a:r>
+            <a:r>
+              <a:rPr lang="zh-CN" altLang="en-US" sz="1600" dirty="0"/>
+              <a:t>在编译的时候就能检查问题</a:t>
+            </a:r>
+            <a:endParaRPr lang="en-US" altLang="zh-CN" sz="1600" dirty="0"/>
+          </a:p>
+          <a:p>
+            <a:pPr marL="457200" lvl="1" indent="0">
+              <a:buNone/>
+            </a:pPr>
+            <a:endParaRPr lang="zh-CN" altLang="en-US" dirty="0"/>
+          </a:p>
+          <a:p>
+            <a:pPr marL="457200" lvl="1" indent="0">
+              <a:buNone/>
+            </a:pPr>
+            <a:endParaRPr lang="en-US" altLang="zh-CN" dirty="0"/>
+          </a:p>
+        </p:txBody>
+      </p:sp>
+    </p:spTree>
+    <p:extLst>
+      <p:ext uri="{BB962C8B-B14F-4D97-AF65-F5344CB8AC3E}">
+        <p14:creationId xmlns:p14="http://schemas.microsoft.com/office/powerpoint/2010/main" val="3736728658"/>
+      </p:ext>
+    </p:extLst>
+  </p:cSld>
+  <p:clrMapOvr>
+    <a:masterClrMapping/>
+  </p:clrMapOvr>
+</p:sld>
+</file>
+
+<file path=ppt/slides/slide17.xml><?xml version="1.0" encoding="utf-8"?>
+<p:sld xmlns:a="http://schemas.openxmlformats.org/drawingml/2006/main" xmlns:r="http://schemas.openxmlformats.org/officeDocument/2006/relationships" xmlns:p="http://schemas.openxmlformats.org/presentationml/2006/main">
+  <p:cSld>
+    <p:spTree>
+      <p:nvGrpSpPr>
+        <p:cNvPr id="1" name=""/>
+        <p:cNvGrpSpPr/>
+        <p:nvPr/>
+      </p:nvGrpSpPr>
+      <p:grpSpPr>
+        <a:xfrm>
+          <a:off x="0" y="0"/>
+          <a:ext cx="0" cy="0"/>
+          <a:chOff x="0" y="0"/>
+          <a:chExt cx="0" cy="0"/>
+        </a:xfrm>
+      </p:grpSpPr>
+      <p:sp>
+        <p:nvSpPr>
+          <p:cNvPr id="3" name="内容占位符 2">
+            <a:extLst>
+              <a:ext uri="{FF2B5EF4-FFF2-40B4-BE49-F238E27FC236}">
+                <a16:creationId xmlns:a16="http://schemas.microsoft.com/office/drawing/2014/main" id="{E4E2B587-CAD5-488E-ACEF-3D0F1DB5FEF3}"/>
+              </a:ext>
+            </a:extLst>
+          </p:cNvPr>
+          <p:cNvSpPr>
+            <a:spLocks noGrp="1"/>
+          </p:cNvSpPr>
+          <p:nvPr>
+            <p:ph idx="1"/>
+          </p:nvPr>
+        </p:nvSpPr>
+        <p:spPr/>
+        <p:txBody>
+          <a:bodyPr>
+            <a:normAutofit/>
+          </a:bodyPr>
+          <a:lstStyle/>
+          <a:p>
+            <a:pPr marL="0" indent="0">
+              <a:buNone/>
+            </a:pPr>
+            <a:r>
+              <a:rPr lang="en-US" altLang="zh-CN" sz="2400" dirty="0"/>
+              <a:t>16.13 </a:t>
+            </a:r>
+            <a:r>
+              <a:rPr lang="en-US" altLang="zh-CN" sz="2400" dirty="0" err="1"/>
+              <a:t>string.h</a:t>
+            </a:r>
+            <a:r>
+              <a:rPr lang="zh-CN" altLang="en-US" sz="2400" dirty="0"/>
+              <a:t>中的</a:t>
+            </a:r>
+            <a:r>
+              <a:rPr lang="en-US" altLang="zh-CN" sz="2400" dirty="0" err="1"/>
+              <a:t>memcpy</a:t>
+            </a:r>
+            <a:r>
+              <a:rPr lang="en-US" altLang="zh-CN" sz="2400" dirty="0"/>
+              <a:t>()</a:t>
+            </a:r>
+            <a:r>
+              <a:rPr lang="zh-CN" altLang="en-US" sz="2400" dirty="0"/>
+              <a:t>和</a:t>
+            </a:r>
+            <a:r>
+              <a:rPr lang="en-US" altLang="zh-CN" sz="2400" dirty="0" err="1"/>
+              <a:t>memmove</a:t>
+            </a:r>
+            <a:r>
+              <a:rPr lang="en-US" altLang="zh-CN" sz="2400" dirty="0"/>
+              <a:t>()</a:t>
+            </a:r>
+          </a:p>
+          <a:p>
+            <a:pPr lvl="1">
+              <a:buFont typeface="Wingdings" panose="05000000000000000000" pitchFamily="2" charset="2"/>
+              <a:buChar char="Ø"/>
+            </a:pPr>
+            <a:r>
+              <a:rPr lang="zh-CN" altLang="en-US" dirty="0"/>
+              <a:t>数组不能通过赋值给另一个数组</a:t>
+            </a:r>
+            <a:endParaRPr lang="en-US" altLang="zh-CN" dirty="0"/>
+          </a:p>
+          <a:p>
+            <a:pPr lvl="1">
+              <a:buFont typeface="Wingdings" panose="05000000000000000000" pitchFamily="2" charset="2"/>
+              <a:buChar char="Ø"/>
+            </a:pPr>
+            <a:r>
+              <a:rPr lang="zh-CN" altLang="en-US" dirty="0"/>
+              <a:t>可以通过</a:t>
+            </a:r>
+            <a:r>
+              <a:rPr lang="en-US" altLang="zh-CN" dirty="0" err="1"/>
+              <a:t>strcpy</a:t>
+            </a:r>
+            <a:r>
+              <a:rPr lang="en-US" altLang="zh-CN" dirty="0"/>
+              <a:t>()</a:t>
+            </a:r>
+            <a:r>
+              <a:rPr lang="zh-CN" altLang="en-US" dirty="0"/>
+              <a:t>和</a:t>
+            </a:r>
+            <a:r>
+              <a:rPr lang="en-US" altLang="zh-CN" dirty="0" err="1"/>
+              <a:t>strncpy</a:t>
+            </a:r>
+            <a:r>
+              <a:rPr lang="en-US" altLang="zh-CN" dirty="0"/>
+              <a:t>()</a:t>
+            </a:r>
+            <a:r>
+              <a:rPr lang="zh-CN" altLang="en-US" dirty="0"/>
+              <a:t>来处理字符数组</a:t>
+            </a:r>
+            <a:endParaRPr lang="en-US" altLang="zh-CN" dirty="0"/>
+          </a:p>
+          <a:p>
+            <a:pPr lvl="1">
+              <a:buFont typeface="Wingdings" panose="05000000000000000000" pitchFamily="2" charset="2"/>
+              <a:buChar char="Ø"/>
+            </a:pPr>
+            <a:r>
+              <a:rPr lang="en-US" altLang="zh-CN" dirty="0" err="1"/>
+              <a:t>Memcpy</a:t>
+            </a:r>
+            <a:r>
+              <a:rPr lang="en-US" altLang="zh-CN" dirty="0"/>
+              <a:t>()</a:t>
+            </a:r>
+            <a:r>
+              <a:rPr lang="zh-CN" altLang="en-US" dirty="0"/>
+              <a:t>和</a:t>
+            </a:r>
+            <a:r>
+              <a:rPr lang="en-US" altLang="zh-CN" dirty="0" err="1"/>
+              <a:t>memmove</a:t>
+            </a:r>
+            <a:r>
+              <a:rPr lang="en-US" altLang="zh-CN" dirty="0"/>
+              <a:t>()</a:t>
+            </a:r>
+            <a:r>
+              <a:rPr lang="zh-CN" altLang="en-US" dirty="0"/>
+              <a:t>来处理任意类型的数组</a:t>
+            </a:r>
+            <a:endParaRPr lang="en-US" altLang="zh-CN" dirty="0"/>
+          </a:p>
+          <a:p>
+            <a:pPr lvl="1">
+              <a:buFont typeface="Wingdings" panose="05000000000000000000" pitchFamily="2" charset="2"/>
+              <a:buChar char="Ø"/>
+            </a:pPr>
+            <a:r>
+              <a:rPr lang="en-US" altLang="zh-CN" dirty="0" err="1"/>
+              <a:t>memcpy</a:t>
+            </a:r>
+            <a:r>
+              <a:rPr lang="en-US" altLang="zh-CN" dirty="0"/>
+              <a:t>(void * restrict s1,const void* restrict s2,size_t n)</a:t>
+            </a:r>
+          </a:p>
+          <a:p>
+            <a:pPr lvl="1">
+              <a:buFont typeface="Wingdings" panose="05000000000000000000" pitchFamily="2" charset="2"/>
+              <a:buChar char="Ø"/>
+            </a:pPr>
+            <a:r>
+              <a:rPr lang="en-US" altLang="zh-CN" dirty="0" err="1"/>
+              <a:t>menmove</a:t>
+            </a:r>
+            <a:r>
+              <a:rPr lang="en-US" altLang="zh-CN" dirty="0"/>
+              <a:t>(void * s1,const void *s2,size_t n)</a:t>
+            </a:r>
+          </a:p>
+          <a:p>
+            <a:pPr lvl="1">
+              <a:buFont typeface="Wingdings" panose="05000000000000000000" pitchFamily="2" charset="2"/>
+              <a:buChar char="Ø"/>
+            </a:pPr>
+            <a:r>
+              <a:rPr lang="zh-CN" altLang="en-US" dirty="0"/>
+              <a:t>都从</a:t>
+            </a:r>
+            <a:r>
+              <a:rPr lang="en-US" altLang="zh-CN" dirty="0"/>
+              <a:t>s2</a:t>
+            </a:r>
+            <a:r>
+              <a:rPr lang="zh-CN" altLang="en-US" dirty="0"/>
+              <a:t>位置拷贝</a:t>
+            </a:r>
+            <a:r>
+              <a:rPr lang="en-US" altLang="zh-CN" dirty="0"/>
+              <a:t>n</a:t>
+            </a:r>
+            <a:r>
+              <a:rPr lang="zh-CN" altLang="en-US" dirty="0"/>
+              <a:t>个字节到</a:t>
+            </a:r>
+            <a:r>
+              <a:rPr lang="en-US" altLang="zh-CN" dirty="0"/>
+              <a:t>s1</a:t>
+            </a:r>
+            <a:r>
+              <a:rPr lang="zh-CN" altLang="en-US" dirty="0"/>
+              <a:t>，返回值都是</a:t>
+            </a:r>
+            <a:r>
+              <a:rPr lang="en-US" altLang="zh-CN" dirty="0"/>
+              <a:t>s1</a:t>
+            </a:r>
+          </a:p>
+          <a:p>
+            <a:pPr lvl="1">
+              <a:buFont typeface="Wingdings" panose="05000000000000000000" pitchFamily="2" charset="2"/>
+              <a:buChar char="Ø"/>
+            </a:pPr>
+            <a:r>
+              <a:rPr lang="en-US" altLang="zh-CN" dirty="0" err="1"/>
+              <a:t>memcpy</a:t>
+            </a:r>
+            <a:r>
+              <a:rPr lang="en-US" altLang="zh-CN" dirty="0"/>
+              <a:t>()</a:t>
+            </a:r>
+            <a:r>
+              <a:rPr lang="zh-CN" altLang="en-US" dirty="0"/>
+              <a:t>得保证两个地址没有重复的位置，</a:t>
+            </a:r>
+            <a:r>
+              <a:rPr lang="en-US" altLang="zh-CN" dirty="0" err="1"/>
+              <a:t>memmove</a:t>
+            </a:r>
+            <a:r>
+              <a:rPr lang="en-US" altLang="zh-CN" dirty="0"/>
+              <a:t>()</a:t>
+            </a:r>
+            <a:r>
+              <a:rPr lang="zh-CN" altLang="en-US" dirty="0"/>
+              <a:t>则没有这限制</a:t>
+            </a:r>
+            <a:endParaRPr lang="en-US" altLang="zh-CN" dirty="0"/>
+          </a:p>
+          <a:p>
+            <a:pPr marL="457200" lvl="1" indent="0">
+              <a:buNone/>
+            </a:pPr>
+            <a:endParaRPr lang="zh-CN" altLang="en-US" dirty="0"/>
+          </a:p>
+          <a:p>
+            <a:pPr marL="457200" lvl="1" indent="0">
+              <a:buNone/>
+            </a:pPr>
+            <a:endParaRPr lang="en-US" altLang="zh-CN" dirty="0"/>
+          </a:p>
+        </p:txBody>
+      </p:sp>
+    </p:spTree>
+    <p:extLst>
+      <p:ext uri="{BB962C8B-B14F-4D97-AF65-F5344CB8AC3E}">
+        <p14:creationId xmlns:p14="http://schemas.microsoft.com/office/powerpoint/2010/main" val="2077723324"/>
+      </p:ext>
+    </p:extLst>
+  </p:cSld>
+  <p:clrMapOvr>
+    <a:masterClrMapping/>
+  </p:clrMapOvr>
+</p:sld>
+</file>
+
+<file path=ppt/slides/slide18.xml><?xml version="1.0" encoding="utf-8"?>
+<p:sld xmlns:a="http://schemas.openxmlformats.org/drawingml/2006/main" xmlns:r="http://schemas.openxmlformats.org/officeDocument/2006/relationships" xmlns:p="http://schemas.openxmlformats.org/presentationml/2006/main">
+  <p:cSld>
+    <p:spTree>
+      <p:nvGrpSpPr>
+        <p:cNvPr id="1" name=""/>
+        <p:cNvGrpSpPr/>
+        <p:nvPr/>
+      </p:nvGrpSpPr>
+      <p:grpSpPr>
+        <a:xfrm>
+          <a:off x="0" y="0"/>
+          <a:ext cx="0" cy="0"/>
+          <a:chOff x="0" y="0"/>
+          <a:chExt cx="0" cy="0"/>
+        </a:xfrm>
+      </p:grpSpPr>
+      <p:sp>
+        <p:nvSpPr>
+          <p:cNvPr id="3" name="内容占位符 2">
+            <a:extLst>
+              <a:ext uri="{FF2B5EF4-FFF2-40B4-BE49-F238E27FC236}">
+                <a16:creationId xmlns:a16="http://schemas.microsoft.com/office/drawing/2014/main" id="{E4E2B587-CAD5-488E-ACEF-3D0F1DB5FEF3}"/>
+              </a:ext>
+            </a:extLst>
+          </p:cNvPr>
+          <p:cNvSpPr>
+            <a:spLocks noGrp="1"/>
+          </p:cNvSpPr>
+          <p:nvPr>
+            <p:ph idx="1"/>
+          </p:nvPr>
+        </p:nvSpPr>
+        <p:spPr/>
+        <p:txBody>
+          <a:bodyPr>
+            <a:normAutofit/>
+          </a:bodyPr>
+          <a:lstStyle/>
+          <a:p>
+            <a:pPr marL="0" indent="0">
+              <a:buNone/>
+            </a:pPr>
+            <a:r>
+              <a:rPr lang="en-US" altLang="zh-CN" sz="2400" dirty="0"/>
+              <a:t>16.14 </a:t>
+            </a:r>
+            <a:r>
+              <a:rPr lang="zh-CN" altLang="en-US" sz="2400" dirty="0"/>
+              <a:t>可变参数：</a:t>
+            </a:r>
+            <a:r>
+              <a:rPr lang="en-US" altLang="zh-CN" sz="2400" dirty="0" err="1"/>
+              <a:t>stdarg.h</a:t>
+            </a:r>
+            <a:endParaRPr lang="en-US" altLang="zh-CN" sz="2400" dirty="0"/>
+          </a:p>
+          <a:p>
+            <a:pPr lvl="1">
+              <a:buFont typeface="Wingdings" panose="05000000000000000000" pitchFamily="2" charset="2"/>
+              <a:buChar char="Ø"/>
+            </a:pPr>
+            <a:r>
+              <a:rPr lang="en-US" altLang="zh-CN" dirty="0" err="1"/>
+              <a:t>Stdarg.h</a:t>
+            </a:r>
+            <a:r>
+              <a:rPr lang="zh-CN" altLang="en-US" dirty="0"/>
+              <a:t>为函数提供了一个可变数量的参数</a:t>
+            </a:r>
+            <a:endParaRPr lang="en-US" altLang="zh-CN" dirty="0"/>
+          </a:p>
+          <a:p>
+            <a:pPr lvl="1">
+              <a:buFont typeface="Wingdings" panose="05000000000000000000" pitchFamily="2" charset="2"/>
+              <a:buChar char="Ø"/>
+            </a:pPr>
+            <a:r>
+              <a:rPr lang="zh-CN" altLang="en-US" dirty="0"/>
+              <a:t>提供一个使用省略号的函数原型</a:t>
+            </a:r>
+            <a:endParaRPr lang="en-US" altLang="zh-CN" dirty="0"/>
+          </a:p>
+          <a:p>
+            <a:pPr lvl="1">
+              <a:buFont typeface="Wingdings" panose="05000000000000000000" pitchFamily="2" charset="2"/>
+              <a:buChar char="Ø"/>
+            </a:pPr>
+            <a:r>
+              <a:rPr lang="zh-CN" altLang="en-US" dirty="0"/>
+              <a:t>在函数定义中创建一个</a:t>
+            </a:r>
+            <a:r>
+              <a:rPr lang="en-US" altLang="zh-CN" dirty="0" err="1"/>
+              <a:t>va_list</a:t>
+            </a:r>
+            <a:r>
+              <a:rPr lang="zh-CN" altLang="en-US" dirty="0"/>
+              <a:t>类型的变量</a:t>
+            </a:r>
+            <a:endParaRPr lang="en-US" altLang="zh-CN" dirty="0"/>
+          </a:p>
+          <a:p>
+            <a:pPr lvl="1">
+              <a:buFont typeface="Wingdings" panose="05000000000000000000" pitchFamily="2" charset="2"/>
+              <a:buChar char="Ø"/>
+            </a:pPr>
+            <a:r>
+              <a:rPr lang="zh-CN" altLang="en-US" dirty="0"/>
+              <a:t>用宏把该变量初始化为一个参数列表</a:t>
+            </a:r>
+            <a:endParaRPr lang="en-US" altLang="zh-CN" dirty="0"/>
+          </a:p>
+          <a:p>
+            <a:pPr lvl="1">
+              <a:buFont typeface="Wingdings" panose="05000000000000000000" pitchFamily="2" charset="2"/>
+              <a:buChar char="Ø"/>
+            </a:pPr>
+            <a:r>
+              <a:rPr lang="zh-CN" altLang="en-US" dirty="0"/>
+              <a:t>用宏访问参数列表</a:t>
+            </a:r>
+            <a:endParaRPr lang="en-US" altLang="zh-CN" dirty="0"/>
+          </a:p>
+          <a:p>
+            <a:pPr lvl="1">
+              <a:buFont typeface="Wingdings" panose="05000000000000000000" pitchFamily="2" charset="2"/>
+              <a:buChar char="Ø"/>
+            </a:pPr>
+            <a:r>
+              <a:rPr lang="zh-CN" altLang="en-US"/>
+              <a:t>用宏完成清理工作</a:t>
+            </a:r>
+            <a:endParaRPr lang="zh-CN" altLang="en-US" dirty="0"/>
+          </a:p>
+          <a:p>
+            <a:pPr marL="457200" lvl="1" indent="0">
+              <a:buNone/>
+            </a:pPr>
+            <a:endParaRPr lang="en-US" altLang="zh-CN" dirty="0"/>
+          </a:p>
+        </p:txBody>
+      </p:sp>
+    </p:spTree>
+    <p:extLst>
+      <p:ext uri="{BB962C8B-B14F-4D97-AF65-F5344CB8AC3E}">
+        <p14:creationId xmlns:p14="http://schemas.microsoft.com/office/powerpoint/2010/main" val="1552484150"/>
+      </p:ext>
+    </p:extLst>
+  </p:cSld>
+  <p:clrMapOvr>
+    <a:masterClrMapping/>
+  </p:clrMapOvr>
+</p:sld>
+</file>
+
 <file path=ppt/slides/slide2.xml><?xml version="1.0" encoding="utf-8"?>
 <p:sld xmlns:a="http://schemas.openxmlformats.org/drawingml/2006/main" xmlns:r="http://schemas.openxmlformats.org/officeDocument/2006/relationships" xmlns:p="http://schemas.openxmlformats.org/presentationml/2006/main">
   <p:cSld>
@@ -8592,9 +10692,103 @@
               <a:buChar char="Ø"/>
             </a:pPr>
             <a:r>
-              <a:rPr lang="zh-CN" altLang="en-US" sz="1600"/>
+              <a:rPr lang="zh-CN" altLang="en-US" sz="1600" dirty="0"/>
               <a:t>也是从标识符已定义或者未定义来判断</a:t>
             </a:r>
+            <a:endParaRPr lang="en-US" altLang="zh-CN" sz="1600" dirty="0"/>
+          </a:p>
+          <a:p>
+            <a:pPr lvl="1">
+              <a:buFont typeface="Wingdings" panose="05000000000000000000" pitchFamily="2" charset="2"/>
+              <a:buChar char="Ø"/>
+            </a:pPr>
+            <a:r>
+              <a:rPr lang="en-US" altLang="zh-CN" sz="1600" dirty="0"/>
+              <a:t>#ifdef #else #endif  #ifdef</a:t>
+            </a:r>
+            <a:r>
+              <a:rPr lang="zh-CN" altLang="en-US" sz="1600" dirty="0"/>
+              <a:t>指令说明</a:t>
+            </a:r>
+            <a:r>
+              <a:rPr lang="en-US" altLang="zh-CN" sz="1600" dirty="0"/>
+              <a:t>,</a:t>
+            </a:r>
+            <a:r>
+              <a:rPr lang="zh-CN" altLang="en-US" sz="1600" dirty="0"/>
+              <a:t>如果预处理器已定义后面的标识符</a:t>
+            </a:r>
+            <a:endParaRPr lang="en-US" altLang="zh-CN" sz="1600" dirty="0"/>
+          </a:p>
+          <a:p>
+            <a:pPr lvl="1">
+              <a:buFont typeface="Wingdings" panose="05000000000000000000" pitchFamily="2" charset="2"/>
+              <a:buChar char="Ø"/>
+            </a:pPr>
+            <a:r>
+              <a:rPr lang="en-US" altLang="zh-CN" sz="1600" dirty="0"/>
+              <a:t>#ifndef</a:t>
+            </a:r>
+          </a:p>
+          <a:p>
+            <a:pPr lvl="1">
+              <a:buFont typeface="Wingdings" panose="05000000000000000000" pitchFamily="2" charset="2"/>
+              <a:buChar char="Ø"/>
+            </a:pPr>
+            <a:r>
+              <a:rPr lang="en-US" altLang="zh-CN" sz="1600" dirty="0"/>
+              <a:t>#if #elif  </a:t>
+            </a:r>
+            <a:r>
+              <a:rPr lang="zh-CN" altLang="en-US" sz="1600" dirty="0"/>
+              <a:t>后面跟整型常量表达式</a:t>
+            </a:r>
+            <a:r>
+              <a:rPr lang="en-US" altLang="zh-CN" sz="1600" dirty="0"/>
+              <a:t>,</a:t>
+            </a:r>
+            <a:r>
+              <a:rPr lang="zh-CN" altLang="en-US" sz="1600" dirty="0"/>
+              <a:t>非零为真</a:t>
+            </a:r>
+            <a:endParaRPr lang="en-US" altLang="zh-CN" sz="1600" dirty="0"/>
+          </a:p>
+          <a:p>
+            <a:pPr lvl="1">
+              <a:buFont typeface="Wingdings" panose="05000000000000000000" pitchFamily="2" charset="2"/>
+              <a:buChar char="Ø"/>
+            </a:pPr>
+            <a:r>
+              <a:rPr lang="en-US" altLang="zh-CN" sz="1600" dirty="0"/>
+              <a:t>#ifdefined()</a:t>
+            </a:r>
+            <a:r>
+              <a:rPr lang="zh-CN" altLang="en-US" sz="1600" dirty="0"/>
+              <a:t>代替</a:t>
+            </a:r>
+            <a:r>
+              <a:rPr lang="en-US" altLang="zh-CN" sz="1600" dirty="0"/>
+              <a:t>ifdef,</a:t>
+            </a:r>
+            <a:r>
+              <a:rPr lang="zh-CN" altLang="en-US" sz="1600" dirty="0"/>
+              <a:t>有点可以和</a:t>
+            </a:r>
+            <a:r>
+              <a:rPr lang="en-US" altLang="zh-CN" sz="1600" dirty="0"/>
+              <a:t>#elif</a:t>
+            </a:r>
+            <a:r>
+              <a:rPr lang="zh-CN" altLang="en-US" sz="1600" dirty="0"/>
+              <a:t>一起用</a:t>
+            </a:r>
+            <a:endParaRPr lang="en-US" altLang="zh-CN" sz="1600" dirty="0"/>
+          </a:p>
+          <a:p>
+            <a:pPr lvl="1">
+              <a:buFont typeface="Wingdings" panose="05000000000000000000" pitchFamily="2" charset="2"/>
+              <a:buChar char="Ø"/>
+            </a:pPr>
             <a:endParaRPr lang="en-US" altLang="zh-CN" sz="1600" dirty="0"/>
           </a:p>
         </p:txBody>
@@ -8603,6 +10797,418 @@
     <p:extLst>
       <p:ext uri="{BB962C8B-B14F-4D97-AF65-F5344CB8AC3E}">
         <p14:creationId xmlns:p14="http://schemas.microsoft.com/office/powerpoint/2010/main" val="3783469339"/>
+      </p:ext>
+    </p:extLst>
+  </p:cSld>
+  <p:clrMapOvr>
+    <a:masterClrMapping/>
+  </p:clrMapOvr>
+</p:sld>
+</file>
+
+<file path=ppt/slides/slide9.xml><?xml version="1.0" encoding="utf-8"?>
+<p:sld xmlns:a="http://schemas.openxmlformats.org/drawingml/2006/main" xmlns:r="http://schemas.openxmlformats.org/officeDocument/2006/relationships" xmlns:p="http://schemas.openxmlformats.org/presentationml/2006/main">
+  <p:cSld>
+    <p:spTree>
+      <p:nvGrpSpPr>
+        <p:cNvPr id="1" name=""/>
+        <p:cNvGrpSpPr/>
+        <p:nvPr/>
+      </p:nvGrpSpPr>
+      <p:grpSpPr>
+        <a:xfrm>
+          <a:off x="0" y="0"/>
+          <a:ext cx="0" cy="0"/>
+          <a:chOff x="0" y="0"/>
+          <a:chExt cx="0" cy="0"/>
+        </a:xfrm>
+      </p:grpSpPr>
+      <p:sp>
+        <p:nvSpPr>
+          <p:cNvPr id="3" name="内容占位符 2">
+            <a:extLst>
+              <a:ext uri="{FF2B5EF4-FFF2-40B4-BE49-F238E27FC236}">
+                <a16:creationId xmlns:a16="http://schemas.microsoft.com/office/drawing/2014/main" id="{E4E2B587-CAD5-488E-ACEF-3D0F1DB5FEF3}"/>
+              </a:ext>
+            </a:extLst>
+          </p:cNvPr>
+          <p:cNvSpPr>
+            <a:spLocks noGrp="1"/>
+          </p:cNvSpPr>
+          <p:nvPr>
+            <p:ph idx="1"/>
+          </p:nvPr>
+        </p:nvSpPr>
+        <p:spPr/>
+        <p:txBody>
+          <a:bodyPr>
+            <a:normAutofit lnSpcReduction="10000"/>
+          </a:bodyPr>
+          <a:lstStyle/>
+          <a:p>
+            <a:pPr marL="57150" indent="0">
+              <a:buNone/>
+            </a:pPr>
+            <a:r>
+              <a:rPr lang="en-US" altLang="zh-CN" sz="1800" dirty="0"/>
+              <a:t>16.6.4 </a:t>
+            </a:r>
+            <a:r>
+              <a:rPr lang="zh-CN" altLang="en-US" sz="1800" dirty="0"/>
+              <a:t>预定义宏</a:t>
+            </a:r>
+          </a:p>
+          <a:p>
+            <a:pPr lvl="1">
+              <a:buFont typeface="Wingdings" panose="05000000000000000000" pitchFamily="2" charset="2"/>
+              <a:buChar char="Ø"/>
+            </a:pPr>
+            <a:r>
+              <a:rPr lang="en-US" altLang="zh-CN" sz="1600" dirty="0"/>
+              <a:t>__DATA__:</a:t>
+            </a:r>
+            <a:r>
+              <a:rPr lang="zh-CN" altLang="en-US" sz="1600" dirty="0"/>
+              <a:t>字符串字面量</a:t>
+            </a:r>
+            <a:r>
+              <a:rPr lang="en-US" altLang="zh-CN" sz="1600" dirty="0"/>
+              <a:t>,</a:t>
+            </a:r>
+            <a:r>
+              <a:rPr lang="zh-CN" altLang="en-US" sz="1600" dirty="0"/>
+              <a:t>预处理的日期</a:t>
+            </a:r>
+            <a:endParaRPr lang="en-US" altLang="zh-CN" sz="1600" dirty="0"/>
+          </a:p>
+          <a:p>
+            <a:pPr lvl="1">
+              <a:buFont typeface="Wingdings" panose="05000000000000000000" pitchFamily="2" charset="2"/>
+              <a:buChar char="Ø"/>
+            </a:pPr>
+            <a:r>
+              <a:rPr lang="en-US" altLang="zh-CN" sz="1600" dirty="0"/>
+              <a:t>__FILE__:</a:t>
+            </a:r>
+            <a:r>
+              <a:rPr lang="zh-CN" altLang="en-US" sz="1600" dirty="0"/>
+              <a:t>字符串字面量</a:t>
+            </a:r>
+            <a:r>
+              <a:rPr lang="en-US" altLang="zh-CN" sz="1600" dirty="0"/>
+              <a:t>,</a:t>
+            </a:r>
+            <a:r>
+              <a:rPr lang="zh-CN" altLang="en-US" sz="1600" dirty="0"/>
+              <a:t>当前源代码文件名</a:t>
+            </a:r>
+            <a:endParaRPr lang="en-US" altLang="zh-CN" sz="1600" dirty="0"/>
+          </a:p>
+          <a:p>
+            <a:pPr lvl="1">
+              <a:buFont typeface="Wingdings" panose="05000000000000000000" pitchFamily="2" charset="2"/>
+              <a:buChar char="Ø"/>
+            </a:pPr>
+            <a:r>
+              <a:rPr lang="en-US" altLang="zh-CN" sz="1600" dirty="0"/>
+              <a:t>__LINE__:</a:t>
+            </a:r>
+            <a:r>
+              <a:rPr lang="zh-CN" altLang="en-US" sz="1600" dirty="0"/>
+              <a:t>整型常量</a:t>
+            </a:r>
+            <a:r>
+              <a:rPr lang="en-US" altLang="zh-CN" sz="1600" dirty="0"/>
+              <a:t>,</a:t>
+            </a:r>
+            <a:r>
+              <a:rPr lang="zh-CN" altLang="en-US" sz="1600" dirty="0"/>
+              <a:t>当前源代码文件中行号</a:t>
+            </a:r>
+            <a:endParaRPr lang="en-US" altLang="zh-CN" sz="1600" dirty="0"/>
+          </a:p>
+          <a:p>
+            <a:pPr lvl="1">
+              <a:buFont typeface="Wingdings" panose="05000000000000000000" pitchFamily="2" charset="2"/>
+              <a:buChar char="Ø"/>
+            </a:pPr>
+            <a:r>
+              <a:rPr lang="en-US" altLang="zh-CN" sz="1600" dirty="0"/>
+              <a:t>__STDC__:</a:t>
+            </a:r>
+            <a:r>
+              <a:rPr lang="zh-CN" altLang="en-US" sz="1600" dirty="0"/>
+              <a:t>设置为</a:t>
+            </a:r>
+            <a:r>
+              <a:rPr lang="en-US" altLang="zh-CN" sz="1600" dirty="0"/>
+              <a:t>1</a:t>
+            </a:r>
+            <a:r>
+              <a:rPr lang="zh-CN" altLang="en-US" sz="1600" dirty="0"/>
+              <a:t>时</a:t>
+            </a:r>
+            <a:r>
+              <a:rPr lang="en-US" altLang="zh-CN" sz="1600" dirty="0"/>
+              <a:t>,</a:t>
+            </a:r>
+            <a:r>
+              <a:rPr lang="zh-CN" altLang="en-US" sz="1600" dirty="0"/>
+              <a:t>表明实现遵循</a:t>
+            </a:r>
+            <a:r>
+              <a:rPr lang="en-US" altLang="zh-CN" sz="1600" dirty="0"/>
+              <a:t>C</a:t>
+            </a:r>
+            <a:r>
+              <a:rPr lang="zh-CN" altLang="en-US" sz="1600" dirty="0"/>
+              <a:t>标准</a:t>
+            </a:r>
+            <a:endParaRPr lang="en-US" altLang="zh-CN" sz="1600" dirty="0"/>
+          </a:p>
+          <a:p>
+            <a:pPr lvl="1">
+              <a:buFont typeface="Wingdings" panose="05000000000000000000" pitchFamily="2" charset="2"/>
+              <a:buChar char="Ø"/>
+            </a:pPr>
+            <a:r>
+              <a:rPr lang="en-US" altLang="zh-CN" sz="1600" dirty="0"/>
+              <a:t>__STDC_HOSTED__:</a:t>
+            </a:r>
+            <a:r>
+              <a:rPr lang="zh-CN" altLang="en-US" sz="1600" dirty="0"/>
+              <a:t>本机环境设置为</a:t>
+            </a:r>
+            <a:r>
+              <a:rPr lang="en-US" altLang="zh-CN" sz="1600" dirty="0"/>
+              <a:t>1,</a:t>
+            </a:r>
+            <a:r>
+              <a:rPr lang="zh-CN" altLang="en-US" sz="1600" dirty="0"/>
+              <a:t>否则设置为</a:t>
+            </a:r>
+            <a:r>
+              <a:rPr lang="en-US" altLang="zh-CN" sz="1600" dirty="0"/>
+              <a:t>0</a:t>
+            </a:r>
+          </a:p>
+          <a:p>
+            <a:pPr lvl="1">
+              <a:buFont typeface="Wingdings" panose="05000000000000000000" pitchFamily="2" charset="2"/>
+              <a:buChar char="Ø"/>
+            </a:pPr>
+            <a:r>
+              <a:rPr lang="en-US" altLang="zh-CN" sz="1600" dirty="0"/>
+              <a:t>__STDC_VERSION__:</a:t>
+            </a:r>
+            <a:r>
+              <a:rPr lang="zh-CN" altLang="en-US" sz="1600" dirty="0"/>
+              <a:t>支持</a:t>
+            </a:r>
+            <a:r>
+              <a:rPr lang="en-US" altLang="zh-CN" sz="1600" dirty="0"/>
+              <a:t>C99,</a:t>
+            </a:r>
+            <a:r>
+              <a:rPr lang="zh-CN" altLang="en-US" sz="1600" dirty="0"/>
+              <a:t>设置为</a:t>
+            </a:r>
+            <a:r>
+              <a:rPr lang="en-US" altLang="zh-CN" sz="1600" dirty="0"/>
+              <a:t>199901L,</a:t>
+            </a:r>
+            <a:r>
+              <a:rPr lang="zh-CN" altLang="en-US" sz="1600" dirty="0"/>
+              <a:t>支持</a:t>
+            </a:r>
+            <a:r>
+              <a:rPr lang="en-US" altLang="zh-CN" sz="1600" dirty="0"/>
+              <a:t>C11,</a:t>
+            </a:r>
+            <a:r>
+              <a:rPr lang="zh-CN" altLang="en-US" sz="1600" dirty="0"/>
+              <a:t>设置为</a:t>
+            </a:r>
+            <a:r>
+              <a:rPr lang="en-US" altLang="zh-CN" sz="1600" dirty="0"/>
+              <a:t>201112L</a:t>
+            </a:r>
+          </a:p>
+          <a:p>
+            <a:pPr lvl="1">
+              <a:buFont typeface="Wingdings" panose="05000000000000000000" pitchFamily="2" charset="2"/>
+              <a:buChar char="Ø"/>
+            </a:pPr>
+            <a:r>
+              <a:rPr lang="en-US" altLang="zh-CN" sz="1600" dirty="0"/>
+              <a:t>__TIME__:</a:t>
+            </a:r>
+            <a:r>
+              <a:rPr lang="zh-CN" altLang="en-US" sz="1600" dirty="0"/>
+              <a:t>字符串字面量</a:t>
+            </a:r>
+            <a:r>
+              <a:rPr lang="en-US" altLang="zh-CN" sz="1600" dirty="0"/>
+              <a:t>,</a:t>
+            </a:r>
+            <a:r>
+              <a:rPr lang="zh-CN" altLang="en-US" sz="1600" dirty="0"/>
+              <a:t>翻译代码的时间</a:t>
+            </a:r>
+            <a:endParaRPr lang="en-US" altLang="zh-CN" sz="1600" dirty="0"/>
+          </a:p>
+          <a:p>
+            <a:pPr lvl="1">
+              <a:buFont typeface="Wingdings" panose="05000000000000000000" pitchFamily="2" charset="2"/>
+              <a:buChar char="Ø"/>
+            </a:pPr>
+            <a:r>
+              <a:rPr lang="en-US" altLang="zh-CN" sz="1600" dirty="0"/>
+              <a:t>__</a:t>
+            </a:r>
+            <a:r>
+              <a:rPr lang="en-US" altLang="zh-CN" sz="1600" dirty="0" err="1"/>
+              <a:t>func</a:t>
+            </a:r>
+            <a:r>
+              <a:rPr lang="en-US" altLang="zh-CN" sz="1600" dirty="0"/>
+              <a:t>__:</a:t>
+            </a:r>
+            <a:r>
+              <a:rPr lang="zh-CN" altLang="en-US" sz="1600" dirty="0"/>
+              <a:t>字符串字面量</a:t>
+            </a:r>
+            <a:r>
+              <a:rPr lang="en-US" altLang="zh-CN" sz="1600" dirty="0"/>
+              <a:t>,</a:t>
+            </a:r>
+            <a:r>
+              <a:rPr lang="zh-CN" altLang="en-US" sz="1600" dirty="0"/>
+              <a:t>当前在代码的函数名</a:t>
+            </a:r>
+            <a:endParaRPr lang="en-US" altLang="zh-CN" sz="1600" dirty="0"/>
+          </a:p>
+          <a:p>
+            <a:pPr marL="57150" indent="0">
+              <a:buNone/>
+            </a:pPr>
+            <a:r>
+              <a:rPr lang="en-US" altLang="zh-CN" sz="1800" dirty="0"/>
+              <a:t>16.6.5 #line</a:t>
+            </a:r>
+            <a:r>
+              <a:rPr lang="zh-CN" altLang="en-US" sz="1800" dirty="0"/>
+              <a:t>和</a:t>
+            </a:r>
+            <a:r>
+              <a:rPr lang="en-US" altLang="zh-CN" sz="1800" dirty="0"/>
+              <a:t>#error</a:t>
+            </a:r>
+          </a:p>
+          <a:p>
+            <a:pPr lvl="1">
+              <a:buFont typeface="Wingdings" panose="05000000000000000000" pitchFamily="2" charset="2"/>
+              <a:buChar char="Ø"/>
+            </a:pPr>
+            <a:r>
+              <a:rPr lang="en-US" altLang="zh-CN" sz="1600" dirty="0"/>
+              <a:t>#line</a:t>
+            </a:r>
+            <a:r>
+              <a:rPr lang="zh-CN" altLang="en-US" sz="1600" dirty="0"/>
+              <a:t>重置</a:t>
+            </a:r>
+            <a:r>
+              <a:rPr lang="en-US" altLang="zh-CN" sz="1600" dirty="0"/>
+              <a:t>__LINE__</a:t>
+            </a:r>
+            <a:r>
+              <a:rPr lang="zh-CN" altLang="en-US" sz="1600" dirty="0"/>
+              <a:t>和</a:t>
+            </a:r>
+            <a:r>
+              <a:rPr lang="en-US" altLang="zh-CN" sz="1600" dirty="0"/>
+              <a:t>__FILE__</a:t>
+            </a:r>
+            <a:r>
+              <a:rPr lang="zh-CN" altLang="en-US" sz="1600" dirty="0"/>
+              <a:t>宏</a:t>
+            </a:r>
+            <a:endParaRPr lang="en-US" altLang="zh-CN" sz="1600" dirty="0"/>
+          </a:p>
+          <a:p>
+            <a:pPr lvl="1">
+              <a:buFont typeface="Wingdings" panose="05000000000000000000" pitchFamily="2" charset="2"/>
+              <a:buChar char="Ø"/>
+            </a:pPr>
+            <a:r>
+              <a:rPr lang="en-US" altLang="zh-CN" sz="1600" dirty="0"/>
+              <a:t>#line 1000 “</a:t>
+            </a:r>
+            <a:r>
+              <a:rPr lang="en-US" altLang="zh-CN" sz="1600" dirty="0" err="1"/>
+              <a:t>cc.c</a:t>
+            </a:r>
+            <a:r>
+              <a:rPr lang="en-US" altLang="zh-CN" sz="1600" dirty="0"/>
+              <a:t>”</a:t>
+            </a:r>
+          </a:p>
+          <a:p>
+            <a:pPr lvl="1">
+              <a:buFont typeface="Wingdings" panose="05000000000000000000" pitchFamily="2" charset="2"/>
+              <a:buChar char="Ø"/>
+            </a:pPr>
+            <a:r>
+              <a:rPr lang="en-US" altLang="zh-CN" sz="1600" dirty="0"/>
+              <a:t>#error</a:t>
+            </a:r>
+            <a:r>
+              <a:rPr lang="zh-CN" altLang="en-US" sz="1600" dirty="0"/>
+              <a:t>指令让预处理器发出一条错误消息</a:t>
+            </a:r>
+            <a:r>
+              <a:rPr lang="en-US" altLang="zh-CN" sz="1600" dirty="0"/>
+              <a:t>,</a:t>
+            </a:r>
+            <a:r>
+              <a:rPr lang="zh-CN" altLang="en-US" sz="1600" dirty="0"/>
+              <a:t>该消息包含指令中的文本</a:t>
+            </a:r>
+            <a:r>
+              <a:rPr lang="en-US" altLang="zh-CN" sz="1600" dirty="0"/>
+              <a:t>,</a:t>
+            </a:r>
+            <a:r>
+              <a:rPr lang="zh-CN" altLang="en-US" sz="1600" dirty="0"/>
+              <a:t>如果可能的话</a:t>
+            </a:r>
+            <a:r>
+              <a:rPr lang="en-US" altLang="zh-CN" sz="1600" dirty="0"/>
+              <a:t>,</a:t>
+            </a:r>
+            <a:r>
+              <a:rPr lang="zh-CN" altLang="en-US" sz="1600" dirty="0"/>
+              <a:t>编译过程中断</a:t>
+            </a:r>
+            <a:endParaRPr lang="en-US" altLang="zh-CN" sz="1600" dirty="0"/>
+          </a:p>
+          <a:p>
+            <a:pPr lvl="1">
+              <a:buFont typeface="Wingdings" panose="05000000000000000000" pitchFamily="2" charset="2"/>
+              <a:buChar char="Ø"/>
+            </a:pPr>
+            <a:r>
+              <a:rPr lang="en-US" altLang="zh-CN" sz="1600" dirty="0"/>
+              <a:t>#error Not C11</a:t>
+            </a:r>
+          </a:p>
+        </p:txBody>
+      </p:sp>
+    </p:spTree>
+    <p:extLst>
+      <p:ext uri="{BB962C8B-B14F-4D97-AF65-F5344CB8AC3E}">
+        <p14:creationId xmlns:p14="http://schemas.microsoft.com/office/powerpoint/2010/main" val="3351374764"/>
       </p:ext>
     </p:extLst>
   </p:cSld>
